--- a/Images/streamlit/Atilla/diagrams.pptx
+++ b/Images/streamlit/Atilla/diagrams.pptx
@@ -5,7 +5,8 @@
     <p:sldMasterId id="2147483648" r:id="rId1"/>
   </p:sldMasterIdLst>
   <p:sldIdLst>
-    <p:sldId id="256" r:id="rId2"/>
+    <p:sldId id="257" r:id="rId2"/>
+    <p:sldId id="256" r:id="rId3"/>
   </p:sldIdLst>
   <p:sldSz cx="12192000" cy="6858000"/>
   <p:notesSz cx="6858000" cy="9144000"/>
@@ -104,6 +105,11 @@
       </a:defRPr>
     </a:lvl9pPr>
   </p:defaultTextStyle>
+  <p:extLst>
+    <p:ext uri="{EFAFB233-063F-42B5-8137-9DF3F51BA10A}">
+      <p15:sldGuideLst xmlns:p15="http://schemas.microsoft.com/office/powerpoint/2012/main"/>
+    </p:ext>
+  </p:extLst>
 </p:presentation>
 </file>
 
@@ -3347,6 +3353,2166 @@
           <p:cNvPr id="4" name="Rectangle 3">
             <a:extLst>
               <a:ext uri="{FF2B5EF4-FFF2-40B4-BE49-F238E27FC236}">
+                <a16:creationId xmlns:a16="http://schemas.microsoft.com/office/drawing/2014/main" id="{C07AB8D5-6D7A-4242-AC3E-BDF95975A94F}"/>
+              </a:ext>
+            </a:extLst>
+          </p:cNvPr>
+          <p:cNvSpPr/>
+          <p:nvPr/>
+        </p:nvSpPr>
+        <p:spPr>
+          <a:xfrm>
+            <a:off x="568855" y="291247"/>
+            <a:ext cx="3789435" cy="584775"/>
+          </a:xfrm>
+          <a:prstGeom prst="rect">
+            <a:avLst/>
+          </a:prstGeom>
+          <a:noFill/>
+        </p:spPr>
+        <p:txBody>
+          <a:bodyPr wrap="none" lIns="91440" tIns="45720" rIns="91440" bIns="45720">
+            <a:spAutoFit/>
+          </a:bodyPr>
+          <a:lstStyle/>
+          <a:p>
+            <a:pPr algn="ctr"/>
+            <a:r>
+              <a:rPr lang="en-US" sz="3200" b="0" cap="none" spc="0" dirty="0">
+                <a:ln w="0"/>
+                <a:solidFill>
+                  <a:schemeClr val="tx1"/>
+                </a:solidFill>
+                <a:effectLst>
+                  <a:outerShdw blurRad="38100" dist="19050" dir="2700000" algn="tl" rotWithShape="0">
+                    <a:schemeClr val="dk1">
+                      <a:alpha val="40000"/>
+                    </a:schemeClr>
+                  </a:outerShdw>
+                </a:effectLst>
+              </a:rPr>
+              <a:t>Single Linear Diagram</a:t>
+            </a:r>
+          </a:p>
+        </p:txBody>
+      </p:sp>
+      <p:sp>
+        <p:nvSpPr>
+          <p:cNvPr id="5" name="Rectangle 4">
+            <a:extLst>
+              <a:ext uri="{FF2B5EF4-FFF2-40B4-BE49-F238E27FC236}">
+                <a16:creationId xmlns:a16="http://schemas.microsoft.com/office/drawing/2014/main" id="{1C544724-160A-4023-B460-7F5F66CD59E4}"/>
+              </a:ext>
+            </a:extLst>
+          </p:cNvPr>
+          <p:cNvSpPr/>
+          <p:nvPr/>
+        </p:nvSpPr>
+        <p:spPr>
+          <a:xfrm>
+            <a:off x="2463571" y="1898366"/>
+            <a:ext cx="631967" cy="584775"/>
+          </a:xfrm>
+          <a:prstGeom prst="rect">
+            <a:avLst/>
+          </a:prstGeom>
+          <a:solidFill>
+            <a:schemeClr val="accent1">
+              <a:lumMod val="40000"/>
+              <a:lumOff val="60000"/>
+            </a:schemeClr>
+          </a:solidFill>
+        </p:spPr>
+        <p:style>
+          <a:lnRef idx="2">
+            <a:schemeClr val="accent1">
+              <a:shade val="50000"/>
+            </a:schemeClr>
+          </a:lnRef>
+          <a:fillRef idx="1">
+            <a:schemeClr val="accent1"/>
+          </a:fillRef>
+          <a:effectRef idx="0">
+            <a:schemeClr val="accent1"/>
+          </a:effectRef>
+          <a:fontRef idx="minor">
+            <a:schemeClr val="lt1"/>
+          </a:fontRef>
+        </p:style>
+        <p:txBody>
+          <a:bodyPr rtlCol="0" anchor="ctr"/>
+          <a:lstStyle/>
+          <a:p>
+            <a:pPr algn="ctr"/>
+            <a:r>
+              <a:rPr lang="en-SG" dirty="0">
+                <a:solidFill>
+                  <a:sysClr val="windowText" lastClr="000000"/>
+                </a:solidFill>
+              </a:rPr>
+              <a:t>t=0</a:t>
+            </a:r>
+          </a:p>
+        </p:txBody>
+      </p:sp>
+      <p:sp>
+        <p:nvSpPr>
+          <p:cNvPr id="6" name="Rectangle 5">
+            <a:extLst>
+              <a:ext uri="{FF2B5EF4-FFF2-40B4-BE49-F238E27FC236}">
+                <a16:creationId xmlns:a16="http://schemas.microsoft.com/office/drawing/2014/main" id="{451431EB-2B8B-4E37-9761-001F5082E408}"/>
+              </a:ext>
+            </a:extLst>
+          </p:cNvPr>
+          <p:cNvSpPr/>
+          <p:nvPr/>
+        </p:nvSpPr>
+        <p:spPr>
+          <a:xfrm>
+            <a:off x="3095538" y="1898366"/>
+            <a:ext cx="631967" cy="584775"/>
+          </a:xfrm>
+          <a:prstGeom prst="rect">
+            <a:avLst/>
+          </a:prstGeom>
+          <a:solidFill>
+            <a:schemeClr val="accent1">
+              <a:lumMod val="40000"/>
+              <a:lumOff val="60000"/>
+            </a:schemeClr>
+          </a:solidFill>
+        </p:spPr>
+        <p:style>
+          <a:lnRef idx="2">
+            <a:schemeClr val="accent1">
+              <a:shade val="50000"/>
+            </a:schemeClr>
+          </a:lnRef>
+          <a:fillRef idx="1">
+            <a:schemeClr val="accent1"/>
+          </a:fillRef>
+          <a:effectRef idx="0">
+            <a:schemeClr val="accent1"/>
+          </a:effectRef>
+          <a:fontRef idx="minor">
+            <a:schemeClr val="lt1"/>
+          </a:fontRef>
+        </p:style>
+        <p:txBody>
+          <a:bodyPr rtlCol="0" anchor="ctr"/>
+          <a:lstStyle/>
+          <a:p>
+            <a:pPr algn="ctr"/>
+            <a:r>
+              <a:rPr lang="en-SG" dirty="0">
+                <a:solidFill>
+                  <a:sysClr val="windowText" lastClr="000000"/>
+                </a:solidFill>
+              </a:rPr>
+              <a:t>t=1</a:t>
+            </a:r>
+          </a:p>
+        </p:txBody>
+      </p:sp>
+      <p:sp>
+        <p:nvSpPr>
+          <p:cNvPr id="7" name="Rectangle 6">
+            <a:extLst>
+              <a:ext uri="{FF2B5EF4-FFF2-40B4-BE49-F238E27FC236}">
+                <a16:creationId xmlns:a16="http://schemas.microsoft.com/office/drawing/2014/main" id="{531223DE-5DAD-4C86-A063-C0D3C4807C58}"/>
+              </a:ext>
+            </a:extLst>
+          </p:cNvPr>
+          <p:cNvSpPr/>
+          <p:nvPr/>
+        </p:nvSpPr>
+        <p:spPr>
+          <a:xfrm>
+            <a:off x="3727505" y="1898366"/>
+            <a:ext cx="631967" cy="584775"/>
+          </a:xfrm>
+          <a:prstGeom prst="rect">
+            <a:avLst/>
+          </a:prstGeom>
+          <a:solidFill>
+            <a:schemeClr val="accent1">
+              <a:lumMod val="40000"/>
+              <a:lumOff val="60000"/>
+            </a:schemeClr>
+          </a:solidFill>
+        </p:spPr>
+        <p:style>
+          <a:lnRef idx="2">
+            <a:schemeClr val="accent1">
+              <a:shade val="50000"/>
+            </a:schemeClr>
+          </a:lnRef>
+          <a:fillRef idx="1">
+            <a:schemeClr val="accent1"/>
+          </a:fillRef>
+          <a:effectRef idx="0">
+            <a:schemeClr val="accent1"/>
+          </a:effectRef>
+          <a:fontRef idx="minor">
+            <a:schemeClr val="lt1"/>
+          </a:fontRef>
+        </p:style>
+        <p:txBody>
+          <a:bodyPr rtlCol="0" anchor="ctr"/>
+          <a:lstStyle/>
+          <a:p>
+            <a:pPr algn="ctr"/>
+            <a:r>
+              <a:rPr lang="en-SG" dirty="0">
+                <a:solidFill>
+                  <a:sysClr val="windowText" lastClr="000000"/>
+                </a:solidFill>
+              </a:rPr>
+              <a:t>t=2</a:t>
+            </a:r>
+          </a:p>
+        </p:txBody>
+      </p:sp>
+      <p:sp>
+        <p:nvSpPr>
+          <p:cNvPr id="8" name="Rectangle 7">
+            <a:extLst>
+              <a:ext uri="{FF2B5EF4-FFF2-40B4-BE49-F238E27FC236}">
+                <a16:creationId xmlns:a16="http://schemas.microsoft.com/office/drawing/2014/main" id="{3D4C1B20-D18D-4D2D-BB80-D12FC90DF01C}"/>
+              </a:ext>
+            </a:extLst>
+          </p:cNvPr>
+          <p:cNvSpPr/>
+          <p:nvPr/>
+        </p:nvSpPr>
+        <p:spPr>
+          <a:xfrm>
+            <a:off x="4359472" y="1898366"/>
+            <a:ext cx="631967" cy="584775"/>
+          </a:xfrm>
+          <a:prstGeom prst="rect">
+            <a:avLst/>
+          </a:prstGeom>
+          <a:solidFill>
+            <a:schemeClr val="accent1">
+              <a:lumMod val="40000"/>
+              <a:lumOff val="60000"/>
+            </a:schemeClr>
+          </a:solidFill>
+        </p:spPr>
+        <p:style>
+          <a:lnRef idx="2">
+            <a:schemeClr val="accent1">
+              <a:shade val="50000"/>
+            </a:schemeClr>
+          </a:lnRef>
+          <a:fillRef idx="1">
+            <a:schemeClr val="accent1"/>
+          </a:fillRef>
+          <a:effectRef idx="0">
+            <a:schemeClr val="accent1"/>
+          </a:effectRef>
+          <a:fontRef idx="minor">
+            <a:schemeClr val="lt1"/>
+          </a:fontRef>
+        </p:style>
+        <p:txBody>
+          <a:bodyPr rtlCol="0" anchor="ctr"/>
+          <a:lstStyle/>
+          <a:p>
+            <a:pPr algn="ctr"/>
+            <a:r>
+              <a:rPr lang="en-SG" dirty="0">
+                <a:solidFill>
+                  <a:sysClr val="windowText" lastClr="000000"/>
+                </a:solidFill>
+              </a:rPr>
+              <a:t>t=3</a:t>
+            </a:r>
+          </a:p>
+        </p:txBody>
+      </p:sp>
+      <p:sp>
+        <p:nvSpPr>
+          <p:cNvPr id="9" name="Rectangle 8">
+            <a:extLst>
+              <a:ext uri="{FF2B5EF4-FFF2-40B4-BE49-F238E27FC236}">
+                <a16:creationId xmlns:a16="http://schemas.microsoft.com/office/drawing/2014/main" id="{A1E68166-671A-4446-B5DF-703D82950C8C}"/>
+              </a:ext>
+            </a:extLst>
+          </p:cNvPr>
+          <p:cNvSpPr/>
+          <p:nvPr/>
+        </p:nvSpPr>
+        <p:spPr>
+          <a:xfrm>
+            <a:off x="4991439" y="1898366"/>
+            <a:ext cx="631967" cy="584775"/>
+          </a:xfrm>
+          <a:prstGeom prst="rect">
+            <a:avLst/>
+          </a:prstGeom>
+          <a:solidFill>
+            <a:schemeClr val="accent1">
+              <a:lumMod val="40000"/>
+              <a:lumOff val="60000"/>
+            </a:schemeClr>
+          </a:solidFill>
+        </p:spPr>
+        <p:style>
+          <a:lnRef idx="2">
+            <a:schemeClr val="accent1">
+              <a:shade val="50000"/>
+            </a:schemeClr>
+          </a:lnRef>
+          <a:fillRef idx="1">
+            <a:schemeClr val="accent1"/>
+          </a:fillRef>
+          <a:effectRef idx="0">
+            <a:schemeClr val="accent1"/>
+          </a:effectRef>
+          <a:fontRef idx="minor">
+            <a:schemeClr val="lt1"/>
+          </a:fontRef>
+        </p:style>
+        <p:txBody>
+          <a:bodyPr rtlCol="0" anchor="ctr"/>
+          <a:lstStyle/>
+          <a:p>
+            <a:pPr algn="ctr"/>
+            <a:r>
+              <a:rPr lang="en-SG" dirty="0">
+                <a:solidFill>
+                  <a:sysClr val="windowText" lastClr="000000"/>
+                </a:solidFill>
+              </a:rPr>
+              <a:t>t=…</a:t>
+            </a:r>
+          </a:p>
+        </p:txBody>
+      </p:sp>
+      <p:sp>
+        <p:nvSpPr>
+          <p:cNvPr id="10" name="Rectangle 9">
+            <a:extLst>
+              <a:ext uri="{FF2B5EF4-FFF2-40B4-BE49-F238E27FC236}">
+                <a16:creationId xmlns:a16="http://schemas.microsoft.com/office/drawing/2014/main" id="{9A51AA2E-3FCC-4A22-9579-CF2308F3F806}"/>
+              </a:ext>
+            </a:extLst>
+          </p:cNvPr>
+          <p:cNvSpPr/>
+          <p:nvPr/>
+        </p:nvSpPr>
+        <p:spPr>
+          <a:xfrm>
+            <a:off x="5623406" y="1898366"/>
+            <a:ext cx="861284" cy="584775"/>
+          </a:xfrm>
+          <a:prstGeom prst="rect">
+            <a:avLst/>
+          </a:prstGeom>
+          <a:solidFill>
+            <a:schemeClr val="accent1">
+              <a:lumMod val="40000"/>
+              <a:lumOff val="60000"/>
+            </a:schemeClr>
+          </a:solidFill>
+        </p:spPr>
+        <p:style>
+          <a:lnRef idx="2">
+            <a:schemeClr val="accent1">
+              <a:shade val="50000"/>
+            </a:schemeClr>
+          </a:lnRef>
+          <a:fillRef idx="1">
+            <a:schemeClr val="accent1"/>
+          </a:fillRef>
+          <a:effectRef idx="0">
+            <a:schemeClr val="accent1"/>
+          </a:effectRef>
+          <a:fontRef idx="minor">
+            <a:schemeClr val="lt1"/>
+          </a:fontRef>
+        </p:style>
+        <p:txBody>
+          <a:bodyPr rtlCol="0" anchor="ctr"/>
+          <a:lstStyle/>
+          <a:p>
+            <a:pPr algn="ctr"/>
+            <a:r>
+              <a:rPr lang="en-SG" dirty="0">
+                <a:solidFill>
+                  <a:sysClr val="windowText" lastClr="000000"/>
+                </a:solidFill>
+              </a:rPr>
+              <a:t>t=119</a:t>
+            </a:r>
+          </a:p>
+        </p:txBody>
+      </p:sp>
+      <p:cxnSp>
+        <p:nvCxnSpPr>
+          <p:cNvPr id="19" name="Straight Arrow Connector 18">
+            <a:extLst>
+              <a:ext uri="{FF2B5EF4-FFF2-40B4-BE49-F238E27FC236}">
+                <a16:creationId xmlns:a16="http://schemas.microsoft.com/office/drawing/2014/main" id="{D82D93F7-2C58-42D8-9466-4CF4A1DE2A76}"/>
+              </a:ext>
+            </a:extLst>
+          </p:cNvPr>
+          <p:cNvCxnSpPr>
+            <a:cxnSpLocks/>
+            <a:stCxn id="5" idx="2"/>
+          </p:cNvCxnSpPr>
+          <p:nvPr/>
+        </p:nvCxnSpPr>
+        <p:spPr>
+          <a:xfrm flipH="1">
+            <a:off x="2779554" y="2483141"/>
+            <a:ext cx="1" cy="348815"/>
+          </a:xfrm>
+          <a:prstGeom prst="straightConnector1">
+            <a:avLst/>
+          </a:prstGeom>
+          <a:ln>
+            <a:tailEnd type="triangle"/>
+          </a:ln>
+        </p:spPr>
+        <p:style>
+          <a:lnRef idx="1">
+            <a:schemeClr val="accent1"/>
+          </a:lnRef>
+          <a:fillRef idx="0">
+            <a:schemeClr val="accent1"/>
+          </a:fillRef>
+          <a:effectRef idx="0">
+            <a:schemeClr val="accent1"/>
+          </a:effectRef>
+          <a:fontRef idx="minor">
+            <a:schemeClr val="tx1"/>
+          </a:fontRef>
+        </p:style>
+      </p:cxnSp>
+      <p:cxnSp>
+        <p:nvCxnSpPr>
+          <p:cNvPr id="20" name="Straight Arrow Connector 19">
+            <a:extLst>
+              <a:ext uri="{FF2B5EF4-FFF2-40B4-BE49-F238E27FC236}">
+                <a16:creationId xmlns:a16="http://schemas.microsoft.com/office/drawing/2014/main" id="{53EE3765-321A-4698-B55E-5B0377485EC0}"/>
+              </a:ext>
+            </a:extLst>
+          </p:cNvPr>
+          <p:cNvCxnSpPr>
+            <a:cxnSpLocks/>
+            <a:stCxn id="6" idx="2"/>
+          </p:cNvCxnSpPr>
+          <p:nvPr/>
+        </p:nvCxnSpPr>
+        <p:spPr>
+          <a:xfrm flipH="1">
+            <a:off x="3411521" y="2483141"/>
+            <a:ext cx="1" cy="348815"/>
+          </a:xfrm>
+          <a:prstGeom prst="straightConnector1">
+            <a:avLst/>
+          </a:prstGeom>
+          <a:ln>
+            <a:tailEnd type="triangle"/>
+          </a:ln>
+        </p:spPr>
+        <p:style>
+          <a:lnRef idx="1">
+            <a:schemeClr val="accent1"/>
+          </a:lnRef>
+          <a:fillRef idx="0">
+            <a:schemeClr val="accent1"/>
+          </a:fillRef>
+          <a:effectRef idx="0">
+            <a:schemeClr val="accent1"/>
+          </a:effectRef>
+          <a:fontRef idx="minor">
+            <a:schemeClr val="tx1"/>
+          </a:fontRef>
+        </p:style>
+      </p:cxnSp>
+      <p:cxnSp>
+        <p:nvCxnSpPr>
+          <p:cNvPr id="21" name="Straight Arrow Connector 20">
+            <a:extLst>
+              <a:ext uri="{FF2B5EF4-FFF2-40B4-BE49-F238E27FC236}">
+                <a16:creationId xmlns:a16="http://schemas.microsoft.com/office/drawing/2014/main" id="{381016A5-316E-4F2B-930D-FB6A2E4A26AE}"/>
+              </a:ext>
+            </a:extLst>
+          </p:cNvPr>
+          <p:cNvCxnSpPr>
+            <a:cxnSpLocks/>
+            <a:stCxn id="7" idx="2"/>
+          </p:cNvCxnSpPr>
+          <p:nvPr/>
+        </p:nvCxnSpPr>
+        <p:spPr>
+          <a:xfrm flipH="1">
+            <a:off x="4043488" y="2483141"/>
+            <a:ext cx="1" cy="348815"/>
+          </a:xfrm>
+          <a:prstGeom prst="straightConnector1">
+            <a:avLst/>
+          </a:prstGeom>
+          <a:ln>
+            <a:tailEnd type="triangle"/>
+          </a:ln>
+        </p:spPr>
+        <p:style>
+          <a:lnRef idx="1">
+            <a:schemeClr val="accent1"/>
+          </a:lnRef>
+          <a:fillRef idx="0">
+            <a:schemeClr val="accent1"/>
+          </a:fillRef>
+          <a:effectRef idx="0">
+            <a:schemeClr val="accent1"/>
+          </a:effectRef>
+          <a:fontRef idx="minor">
+            <a:schemeClr val="tx1"/>
+          </a:fontRef>
+        </p:style>
+      </p:cxnSp>
+      <p:cxnSp>
+        <p:nvCxnSpPr>
+          <p:cNvPr id="22" name="Straight Arrow Connector 21">
+            <a:extLst>
+              <a:ext uri="{FF2B5EF4-FFF2-40B4-BE49-F238E27FC236}">
+                <a16:creationId xmlns:a16="http://schemas.microsoft.com/office/drawing/2014/main" id="{CAED6E69-8F39-4124-93DE-D1197B22B863}"/>
+              </a:ext>
+            </a:extLst>
+          </p:cNvPr>
+          <p:cNvCxnSpPr>
+            <a:cxnSpLocks/>
+            <a:stCxn id="8" idx="2"/>
+          </p:cNvCxnSpPr>
+          <p:nvPr/>
+        </p:nvCxnSpPr>
+        <p:spPr>
+          <a:xfrm>
+            <a:off x="4675456" y="2483141"/>
+            <a:ext cx="7195" cy="357489"/>
+          </a:xfrm>
+          <a:prstGeom prst="straightConnector1">
+            <a:avLst/>
+          </a:prstGeom>
+          <a:ln>
+            <a:tailEnd type="triangle"/>
+          </a:ln>
+        </p:spPr>
+        <p:style>
+          <a:lnRef idx="1">
+            <a:schemeClr val="accent1"/>
+          </a:lnRef>
+          <a:fillRef idx="0">
+            <a:schemeClr val="accent1"/>
+          </a:fillRef>
+          <a:effectRef idx="0">
+            <a:schemeClr val="accent1"/>
+          </a:effectRef>
+          <a:fontRef idx="minor">
+            <a:schemeClr val="tx1"/>
+          </a:fontRef>
+        </p:style>
+      </p:cxnSp>
+      <p:cxnSp>
+        <p:nvCxnSpPr>
+          <p:cNvPr id="23" name="Straight Arrow Connector 22">
+            <a:extLst>
+              <a:ext uri="{FF2B5EF4-FFF2-40B4-BE49-F238E27FC236}">
+                <a16:creationId xmlns:a16="http://schemas.microsoft.com/office/drawing/2014/main" id="{397A7F34-E19E-4168-BEE0-079A7ECEE968}"/>
+              </a:ext>
+            </a:extLst>
+          </p:cNvPr>
+          <p:cNvCxnSpPr>
+            <a:cxnSpLocks/>
+            <a:stCxn id="9" idx="2"/>
+          </p:cNvCxnSpPr>
+          <p:nvPr/>
+        </p:nvCxnSpPr>
+        <p:spPr>
+          <a:xfrm flipH="1">
+            <a:off x="5307422" y="2483141"/>
+            <a:ext cx="1" cy="357489"/>
+          </a:xfrm>
+          <a:prstGeom prst="straightConnector1">
+            <a:avLst/>
+          </a:prstGeom>
+          <a:ln>
+            <a:tailEnd type="triangle"/>
+          </a:ln>
+        </p:spPr>
+        <p:style>
+          <a:lnRef idx="1">
+            <a:schemeClr val="accent1"/>
+          </a:lnRef>
+          <a:fillRef idx="0">
+            <a:schemeClr val="accent1"/>
+          </a:fillRef>
+          <a:effectRef idx="0">
+            <a:schemeClr val="accent1"/>
+          </a:effectRef>
+          <a:fontRef idx="minor">
+            <a:schemeClr val="tx1"/>
+          </a:fontRef>
+        </p:style>
+      </p:cxnSp>
+      <p:cxnSp>
+        <p:nvCxnSpPr>
+          <p:cNvPr id="24" name="Straight Arrow Connector 23">
+            <a:extLst>
+              <a:ext uri="{FF2B5EF4-FFF2-40B4-BE49-F238E27FC236}">
+                <a16:creationId xmlns:a16="http://schemas.microsoft.com/office/drawing/2014/main" id="{057A1516-52DB-4710-AB24-AC6B64FF26A2}"/>
+              </a:ext>
+            </a:extLst>
+          </p:cNvPr>
+          <p:cNvCxnSpPr>
+            <a:cxnSpLocks/>
+            <a:stCxn id="10" idx="2"/>
+          </p:cNvCxnSpPr>
+          <p:nvPr/>
+        </p:nvCxnSpPr>
+        <p:spPr>
+          <a:xfrm>
+            <a:off x="6054048" y="2483141"/>
+            <a:ext cx="0" cy="357489"/>
+          </a:xfrm>
+          <a:prstGeom prst="straightConnector1">
+            <a:avLst/>
+          </a:prstGeom>
+          <a:ln>
+            <a:tailEnd type="triangle"/>
+          </a:ln>
+        </p:spPr>
+        <p:style>
+          <a:lnRef idx="1">
+            <a:schemeClr val="accent1"/>
+          </a:lnRef>
+          <a:fillRef idx="0">
+            <a:schemeClr val="accent1"/>
+          </a:fillRef>
+          <a:effectRef idx="0">
+            <a:schemeClr val="accent1"/>
+          </a:effectRef>
+          <a:fontRef idx="minor">
+            <a:schemeClr val="tx1"/>
+          </a:fontRef>
+        </p:style>
+      </p:cxnSp>
+      <p:sp>
+        <p:nvSpPr>
+          <p:cNvPr id="28" name="Rectangle 27">
+            <a:extLst>
+              <a:ext uri="{FF2B5EF4-FFF2-40B4-BE49-F238E27FC236}">
+                <a16:creationId xmlns:a16="http://schemas.microsoft.com/office/drawing/2014/main" id="{08328FC9-5094-43D3-BA32-C0240877E75A}"/>
+              </a:ext>
+            </a:extLst>
+          </p:cNvPr>
+          <p:cNvSpPr/>
+          <p:nvPr/>
+        </p:nvSpPr>
+        <p:spPr>
+          <a:xfrm>
+            <a:off x="6613339" y="1990698"/>
+            <a:ext cx="739306" cy="400110"/>
+          </a:xfrm>
+          <a:prstGeom prst="rect">
+            <a:avLst/>
+          </a:prstGeom>
+          <a:noFill/>
+        </p:spPr>
+        <p:txBody>
+          <a:bodyPr wrap="none" lIns="91440" tIns="45720" rIns="91440" bIns="45720">
+            <a:spAutoFit/>
+          </a:bodyPr>
+          <a:lstStyle/>
+          <a:p>
+            <a:pPr algn="ctr"/>
+            <a:r>
+              <a:rPr lang="en-US" sz="2000" b="0" cap="none" spc="0" dirty="0">
+                <a:ln w="0"/>
+                <a:solidFill>
+                  <a:schemeClr val="tx1"/>
+                </a:solidFill>
+                <a:effectLst>
+                  <a:outerShdw blurRad="38100" dist="19050" dir="2700000" algn="tl" rotWithShape="0">
+                    <a:schemeClr val="dk1">
+                      <a:alpha val="40000"/>
+                    </a:schemeClr>
+                  </a:outerShdw>
+                </a:effectLst>
+              </a:rPr>
+              <a:t>Input</a:t>
+            </a:r>
+          </a:p>
+        </p:txBody>
+      </p:sp>
+      <p:sp>
+        <p:nvSpPr>
+          <p:cNvPr id="29" name="Rectangle 28">
+            <a:extLst>
+              <a:ext uri="{FF2B5EF4-FFF2-40B4-BE49-F238E27FC236}">
+                <a16:creationId xmlns:a16="http://schemas.microsoft.com/office/drawing/2014/main" id="{D953ADF1-FB21-49DD-B7A4-B467AECD5381}"/>
+              </a:ext>
+            </a:extLst>
+          </p:cNvPr>
+          <p:cNvSpPr/>
+          <p:nvPr/>
+        </p:nvSpPr>
+        <p:spPr>
+          <a:xfrm>
+            <a:off x="6608839" y="3012340"/>
+            <a:ext cx="861133" cy="400110"/>
+          </a:xfrm>
+          <a:prstGeom prst="rect">
+            <a:avLst/>
+          </a:prstGeom>
+          <a:noFill/>
+        </p:spPr>
+        <p:txBody>
+          <a:bodyPr wrap="none" lIns="91440" tIns="45720" rIns="91440" bIns="45720">
+            <a:spAutoFit/>
+          </a:bodyPr>
+          <a:lstStyle/>
+          <a:p>
+            <a:pPr algn="ctr"/>
+            <a:r>
+              <a:rPr lang="en-US" sz="2000" b="0" cap="none" spc="0" dirty="0">
+                <a:ln w="0"/>
+                <a:solidFill>
+                  <a:schemeClr val="tx1"/>
+                </a:solidFill>
+                <a:effectLst>
+                  <a:outerShdw blurRad="38100" dist="19050" dir="2700000" algn="tl" rotWithShape="0">
+                    <a:schemeClr val="dk1">
+                      <a:alpha val="40000"/>
+                    </a:schemeClr>
+                  </a:outerShdw>
+                </a:effectLst>
+              </a:rPr>
+              <a:t>Model</a:t>
+            </a:r>
+          </a:p>
+        </p:txBody>
+      </p:sp>
+      <p:sp>
+        <p:nvSpPr>
+          <p:cNvPr id="31" name="Rectangle 30">
+            <a:extLst>
+              <a:ext uri="{FF2B5EF4-FFF2-40B4-BE49-F238E27FC236}">
+                <a16:creationId xmlns:a16="http://schemas.microsoft.com/office/drawing/2014/main" id="{B8D04446-5FA0-4C8E-BFA4-7A0F7E56A312}"/>
+              </a:ext>
+            </a:extLst>
+          </p:cNvPr>
+          <p:cNvSpPr/>
+          <p:nvPr/>
+        </p:nvSpPr>
+        <p:spPr>
+          <a:xfrm>
+            <a:off x="5623406" y="3834993"/>
+            <a:ext cx="861284" cy="584775"/>
+          </a:xfrm>
+          <a:prstGeom prst="rect">
+            <a:avLst/>
+          </a:prstGeom>
+          <a:solidFill>
+            <a:schemeClr val="accent4">
+              <a:lumMod val="40000"/>
+              <a:lumOff val="60000"/>
+            </a:schemeClr>
+          </a:solidFill>
+        </p:spPr>
+        <p:style>
+          <a:lnRef idx="2">
+            <a:schemeClr val="accent1">
+              <a:shade val="50000"/>
+            </a:schemeClr>
+          </a:lnRef>
+          <a:fillRef idx="1">
+            <a:schemeClr val="accent1"/>
+          </a:fillRef>
+          <a:effectRef idx="0">
+            <a:schemeClr val="accent1"/>
+          </a:effectRef>
+          <a:fontRef idx="minor">
+            <a:schemeClr val="lt1"/>
+          </a:fontRef>
+        </p:style>
+        <p:txBody>
+          <a:bodyPr rtlCol="0" anchor="ctr"/>
+          <a:lstStyle/>
+          <a:p>
+            <a:pPr algn="ctr"/>
+            <a:r>
+              <a:rPr lang="en-SG" dirty="0">
+                <a:solidFill>
+                  <a:sysClr val="windowText" lastClr="000000"/>
+                </a:solidFill>
+              </a:rPr>
+              <a:t>t=120</a:t>
+            </a:r>
+          </a:p>
+        </p:txBody>
+      </p:sp>
+      <p:sp>
+        <p:nvSpPr>
+          <p:cNvPr id="32" name="Rectangle 31">
+            <a:extLst>
+              <a:ext uri="{FF2B5EF4-FFF2-40B4-BE49-F238E27FC236}">
+                <a16:creationId xmlns:a16="http://schemas.microsoft.com/office/drawing/2014/main" id="{998638E9-D66B-4046-97D7-6085837244E2}"/>
+              </a:ext>
+            </a:extLst>
+          </p:cNvPr>
+          <p:cNvSpPr/>
+          <p:nvPr/>
+        </p:nvSpPr>
+        <p:spPr>
+          <a:xfrm>
+            <a:off x="6614893" y="3906358"/>
+            <a:ext cx="1250472" cy="400110"/>
+          </a:xfrm>
+          <a:prstGeom prst="rect">
+            <a:avLst/>
+          </a:prstGeom>
+          <a:noFill/>
+        </p:spPr>
+        <p:txBody>
+          <a:bodyPr wrap="none" lIns="91440" tIns="45720" rIns="91440" bIns="45720">
+            <a:spAutoFit/>
+          </a:bodyPr>
+          <a:lstStyle/>
+          <a:p>
+            <a:pPr algn="ctr"/>
+            <a:r>
+              <a:rPr lang="en-US" sz="2000" b="0" cap="none" spc="0" dirty="0">
+                <a:ln w="0"/>
+                <a:solidFill>
+                  <a:schemeClr val="tx1"/>
+                </a:solidFill>
+                <a:effectLst>
+                  <a:outerShdw blurRad="38100" dist="19050" dir="2700000" algn="tl" rotWithShape="0">
+                    <a:schemeClr val="dk1">
+                      <a:alpha val="40000"/>
+                    </a:schemeClr>
+                  </a:outerShdw>
+                </a:effectLst>
+              </a:rPr>
+              <a:t>Prediction</a:t>
+            </a:r>
+          </a:p>
+        </p:txBody>
+      </p:sp>
+      <p:sp>
+        <p:nvSpPr>
+          <p:cNvPr id="33" name="Rectangle 32">
+            <a:extLst>
+              <a:ext uri="{FF2B5EF4-FFF2-40B4-BE49-F238E27FC236}">
+                <a16:creationId xmlns:a16="http://schemas.microsoft.com/office/drawing/2014/main" id="{1D70E42F-3481-424F-A925-C865F9C6F7A9}"/>
+              </a:ext>
+            </a:extLst>
+          </p:cNvPr>
+          <p:cNvSpPr/>
+          <p:nvPr/>
+        </p:nvSpPr>
+        <p:spPr>
+          <a:xfrm>
+            <a:off x="5623406" y="4700894"/>
+            <a:ext cx="861284" cy="584775"/>
+          </a:xfrm>
+          <a:prstGeom prst="rect">
+            <a:avLst/>
+          </a:prstGeom>
+          <a:solidFill>
+            <a:schemeClr val="accent6">
+              <a:lumMod val="40000"/>
+              <a:lumOff val="60000"/>
+            </a:schemeClr>
+          </a:solidFill>
+        </p:spPr>
+        <p:style>
+          <a:lnRef idx="2">
+            <a:schemeClr val="accent1">
+              <a:shade val="50000"/>
+            </a:schemeClr>
+          </a:lnRef>
+          <a:fillRef idx="1">
+            <a:schemeClr val="accent1"/>
+          </a:fillRef>
+          <a:effectRef idx="0">
+            <a:schemeClr val="accent1"/>
+          </a:effectRef>
+          <a:fontRef idx="minor">
+            <a:schemeClr val="lt1"/>
+          </a:fontRef>
+        </p:style>
+        <p:txBody>
+          <a:bodyPr rtlCol="0" anchor="ctr"/>
+          <a:lstStyle/>
+          <a:p>
+            <a:pPr algn="ctr"/>
+            <a:r>
+              <a:rPr lang="en-SG" dirty="0">
+                <a:solidFill>
+                  <a:sysClr val="windowText" lastClr="000000"/>
+                </a:solidFill>
+              </a:rPr>
+              <a:t>t=120</a:t>
+            </a:r>
+          </a:p>
+        </p:txBody>
+      </p:sp>
+      <p:sp>
+        <p:nvSpPr>
+          <p:cNvPr id="34" name="Rectangle 33">
+            <a:extLst>
+              <a:ext uri="{FF2B5EF4-FFF2-40B4-BE49-F238E27FC236}">
+                <a16:creationId xmlns:a16="http://schemas.microsoft.com/office/drawing/2014/main" id="{5633B356-7B04-40C5-96BA-59CE064FF68E}"/>
+              </a:ext>
+            </a:extLst>
+          </p:cNvPr>
+          <p:cNvSpPr/>
+          <p:nvPr/>
+        </p:nvSpPr>
+        <p:spPr>
+          <a:xfrm>
+            <a:off x="6678332" y="4755481"/>
+            <a:ext cx="737702" cy="400110"/>
+          </a:xfrm>
+          <a:prstGeom prst="rect">
+            <a:avLst/>
+          </a:prstGeom>
+          <a:noFill/>
+        </p:spPr>
+        <p:txBody>
+          <a:bodyPr wrap="none" lIns="91440" tIns="45720" rIns="91440" bIns="45720">
+            <a:spAutoFit/>
+          </a:bodyPr>
+          <a:lstStyle/>
+          <a:p>
+            <a:pPr algn="ctr"/>
+            <a:r>
+              <a:rPr lang="en-US" sz="2000" b="0" cap="none" spc="0" dirty="0">
+                <a:ln w="0"/>
+                <a:solidFill>
+                  <a:schemeClr val="tx1"/>
+                </a:solidFill>
+                <a:effectLst>
+                  <a:outerShdw blurRad="38100" dist="19050" dir="2700000" algn="tl" rotWithShape="0">
+                    <a:schemeClr val="dk1">
+                      <a:alpha val="40000"/>
+                    </a:schemeClr>
+                  </a:outerShdw>
+                </a:effectLst>
+              </a:rPr>
+              <a:t>Label</a:t>
+            </a:r>
+          </a:p>
+        </p:txBody>
+      </p:sp>
+      <p:sp>
+        <p:nvSpPr>
+          <p:cNvPr id="43" name="Rectangle 42">
+            <a:extLst>
+              <a:ext uri="{FF2B5EF4-FFF2-40B4-BE49-F238E27FC236}">
+                <a16:creationId xmlns:a16="http://schemas.microsoft.com/office/drawing/2014/main" id="{CD981EAC-886D-4F7E-A71B-C16AE1EF43C9}"/>
+              </a:ext>
+            </a:extLst>
+          </p:cNvPr>
+          <p:cNvSpPr/>
+          <p:nvPr/>
+        </p:nvSpPr>
+        <p:spPr>
+          <a:xfrm>
+            <a:off x="2429406" y="2851389"/>
+            <a:ext cx="631967" cy="584775"/>
+          </a:xfrm>
+          <a:prstGeom prst="rect">
+            <a:avLst/>
+          </a:prstGeom>
+          <a:solidFill>
+            <a:schemeClr val="bg1">
+              <a:lumMod val="85000"/>
+            </a:schemeClr>
+          </a:solidFill>
+        </p:spPr>
+        <p:style>
+          <a:lnRef idx="2">
+            <a:schemeClr val="accent1">
+              <a:shade val="50000"/>
+            </a:schemeClr>
+          </a:lnRef>
+          <a:fillRef idx="1">
+            <a:schemeClr val="accent1"/>
+          </a:fillRef>
+          <a:effectRef idx="0">
+            <a:schemeClr val="accent1"/>
+          </a:effectRef>
+          <a:fontRef idx="minor">
+            <a:schemeClr val="lt1"/>
+          </a:fontRef>
+        </p:style>
+        <p:txBody>
+          <a:bodyPr rtlCol="0" anchor="ctr"/>
+          <a:lstStyle/>
+          <a:p>
+            <a:pPr algn="ctr"/>
+            <a:endParaRPr lang="en-SG" dirty="0">
+              <a:solidFill>
+                <a:sysClr val="windowText" lastClr="000000"/>
+              </a:solidFill>
+            </a:endParaRPr>
+          </a:p>
+        </p:txBody>
+      </p:sp>
+      <p:sp>
+        <p:nvSpPr>
+          <p:cNvPr id="44" name="Rectangle 43">
+            <a:extLst>
+              <a:ext uri="{FF2B5EF4-FFF2-40B4-BE49-F238E27FC236}">
+                <a16:creationId xmlns:a16="http://schemas.microsoft.com/office/drawing/2014/main" id="{1B48ABF1-F2DD-4437-8EBF-95CD47184CC5}"/>
+              </a:ext>
+            </a:extLst>
+          </p:cNvPr>
+          <p:cNvSpPr/>
+          <p:nvPr/>
+        </p:nvSpPr>
+        <p:spPr>
+          <a:xfrm>
+            <a:off x="3061373" y="2851389"/>
+            <a:ext cx="631967" cy="584775"/>
+          </a:xfrm>
+          <a:prstGeom prst="rect">
+            <a:avLst/>
+          </a:prstGeom>
+          <a:solidFill>
+            <a:schemeClr val="bg1">
+              <a:lumMod val="85000"/>
+            </a:schemeClr>
+          </a:solidFill>
+        </p:spPr>
+        <p:style>
+          <a:lnRef idx="2">
+            <a:schemeClr val="accent1">
+              <a:shade val="50000"/>
+            </a:schemeClr>
+          </a:lnRef>
+          <a:fillRef idx="1">
+            <a:schemeClr val="accent1"/>
+          </a:fillRef>
+          <a:effectRef idx="0">
+            <a:schemeClr val="accent1"/>
+          </a:effectRef>
+          <a:fontRef idx="minor">
+            <a:schemeClr val="lt1"/>
+          </a:fontRef>
+        </p:style>
+        <p:txBody>
+          <a:bodyPr rtlCol="0" anchor="ctr"/>
+          <a:lstStyle/>
+          <a:p>
+            <a:pPr algn="ctr"/>
+            <a:endParaRPr lang="en-SG" dirty="0">
+              <a:solidFill>
+                <a:sysClr val="windowText" lastClr="000000"/>
+              </a:solidFill>
+            </a:endParaRPr>
+          </a:p>
+        </p:txBody>
+      </p:sp>
+      <p:sp>
+        <p:nvSpPr>
+          <p:cNvPr id="45" name="Rectangle 44">
+            <a:extLst>
+              <a:ext uri="{FF2B5EF4-FFF2-40B4-BE49-F238E27FC236}">
+                <a16:creationId xmlns:a16="http://schemas.microsoft.com/office/drawing/2014/main" id="{8ED714D2-F6D2-4B52-9183-B3DF69D0C9F4}"/>
+              </a:ext>
+            </a:extLst>
+          </p:cNvPr>
+          <p:cNvSpPr/>
+          <p:nvPr/>
+        </p:nvSpPr>
+        <p:spPr>
+          <a:xfrm>
+            <a:off x="3693340" y="2851389"/>
+            <a:ext cx="631967" cy="584775"/>
+          </a:xfrm>
+          <a:prstGeom prst="rect">
+            <a:avLst/>
+          </a:prstGeom>
+          <a:solidFill>
+            <a:schemeClr val="bg1">
+              <a:lumMod val="85000"/>
+            </a:schemeClr>
+          </a:solidFill>
+        </p:spPr>
+        <p:style>
+          <a:lnRef idx="2">
+            <a:schemeClr val="accent1">
+              <a:shade val="50000"/>
+            </a:schemeClr>
+          </a:lnRef>
+          <a:fillRef idx="1">
+            <a:schemeClr val="accent1"/>
+          </a:fillRef>
+          <a:effectRef idx="0">
+            <a:schemeClr val="accent1"/>
+          </a:effectRef>
+          <a:fontRef idx="minor">
+            <a:schemeClr val="lt1"/>
+          </a:fontRef>
+        </p:style>
+        <p:txBody>
+          <a:bodyPr rtlCol="0" anchor="ctr"/>
+          <a:lstStyle/>
+          <a:p>
+            <a:pPr algn="ctr"/>
+            <a:endParaRPr lang="en-SG" dirty="0">
+              <a:solidFill>
+                <a:sysClr val="windowText" lastClr="000000"/>
+              </a:solidFill>
+            </a:endParaRPr>
+          </a:p>
+        </p:txBody>
+      </p:sp>
+      <p:sp>
+        <p:nvSpPr>
+          <p:cNvPr id="46" name="Rectangle 45">
+            <a:extLst>
+              <a:ext uri="{FF2B5EF4-FFF2-40B4-BE49-F238E27FC236}">
+                <a16:creationId xmlns:a16="http://schemas.microsoft.com/office/drawing/2014/main" id="{BB0832BE-FF85-40AD-B7A0-8393558326A6}"/>
+              </a:ext>
+            </a:extLst>
+          </p:cNvPr>
+          <p:cNvSpPr/>
+          <p:nvPr/>
+        </p:nvSpPr>
+        <p:spPr>
+          <a:xfrm>
+            <a:off x="4325307" y="2851389"/>
+            <a:ext cx="631967" cy="584775"/>
+          </a:xfrm>
+          <a:prstGeom prst="rect">
+            <a:avLst/>
+          </a:prstGeom>
+          <a:solidFill>
+            <a:schemeClr val="bg1">
+              <a:lumMod val="85000"/>
+            </a:schemeClr>
+          </a:solidFill>
+        </p:spPr>
+        <p:style>
+          <a:lnRef idx="2">
+            <a:schemeClr val="accent1">
+              <a:shade val="50000"/>
+            </a:schemeClr>
+          </a:lnRef>
+          <a:fillRef idx="1">
+            <a:schemeClr val="accent1"/>
+          </a:fillRef>
+          <a:effectRef idx="0">
+            <a:schemeClr val="accent1"/>
+          </a:effectRef>
+          <a:fontRef idx="minor">
+            <a:schemeClr val="lt1"/>
+          </a:fontRef>
+        </p:style>
+        <p:txBody>
+          <a:bodyPr rtlCol="0" anchor="ctr"/>
+          <a:lstStyle/>
+          <a:p>
+            <a:pPr algn="ctr"/>
+            <a:endParaRPr lang="en-SG" dirty="0">
+              <a:solidFill>
+                <a:sysClr val="windowText" lastClr="000000"/>
+              </a:solidFill>
+            </a:endParaRPr>
+          </a:p>
+        </p:txBody>
+      </p:sp>
+      <p:sp>
+        <p:nvSpPr>
+          <p:cNvPr id="47" name="Rectangle 46">
+            <a:extLst>
+              <a:ext uri="{FF2B5EF4-FFF2-40B4-BE49-F238E27FC236}">
+                <a16:creationId xmlns:a16="http://schemas.microsoft.com/office/drawing/2014/main" id="{08267265-8F23-4B2A-BB3A-1F416034736A}"/>
+              </a:ext>
+            </a:extLst>
+          </p:cNvPr>
+          <p:cNvSpPr/>
+          <p:nvPr/>
+        </p:nvSpPr>
+        <p:spPr>
+          <a:xfrm>
+            <a:off x="4957274" y="2851389"/>
+            <a:ext cx="631967" cy="584775"/>
+          </a:xfrm>
+          <a:prstGeom prst="rect">
+            <a:avLst/>
+          </a:prstGeom>
+          <a:solidFill>
+            <a:schemeClr val="bg1">
+              <a:lumMod val="85000"/>
+            </a:schemeClr>
+          </a:solidFill>
+        </p:spPr>
+        <p:style>
+          <a:lnRef idx="2">
+            <a:schemeClr val="accent1">
+              <a:shade val="50000"/>
+            </a:schemeClr>
+          </a:lnRef>
+          <a:fillRef idx="1">
+            <a:schemeClr val="accent1"/>
+          </a:fillRef>
+          <a:effectRef idx="0">
+            <a:schemeClr val="accent1"/>
+          </a:effectRef>
+          <a:fontRef idx="minor">
+            <a:schemeClr val="lt1"/>
+          </a:fontRef>
+        </p:style>
+        <p:txBody>
+          <a:bodyPr rtlCol="0" anchor="ctr"/>
+          <a:lstStyle/>
+          <a:p>
+            <a:pPr algn="ctr"/>
+            <a:endParaRPr lang="en-SG" dirty="0">
+              <a:solidFill>
+                <a:sysClr val="windowText" lastClr="000000"/>
+              </a:solidFill>
+            </a:endParaRPr>
+          </a:p>
+        </p:txBody>
+      </p:sp>
+      <p:sp>
+        <p:nvSpPr>
+          <p:cNvPr id="48" name="Rectangle 47">
+            <a:extLst>
+              <a:ext uri="{FF2B5EF4-FFF2-40B4-BE49-F238E27FC236}">
+                <a16:creationId xmlns:a16="http://schemas.microsoft.com/office/drawing/2014/main" id="{313435E4-7CF1-43DC-837C-78950040153C}"/>
+              </a:ext>
+            </a:extLst>
+          </p:cNvPr>
+          <p:cNvSpPr/>
+          <p:nvPr/>
+        </p:nvSpPr>
+        <p:spPr>
+          <a:xfrm>
+            <a:off x="5589241" y="2851389"/>
+            <a:ext cx="861284" cy="584775"/>
+          </a:xfrm>
+          <a:prstGeom prst="rect">
+            <a:avLst/>
+          </a:prstGeom>
+          <a:solidFill>
+            <a:schemeClr val="bg1">
+              <a:lumMod val="85000"/>
+            </a:schemeClr>
+          </a:solidFill>
+        </p:spPr>
+        <p:style>
+          <a:lnRef idx="2">
+            <a:schemeClr val="accent1">
+              <a:shade val="50000"/>
+            </a:schemeClr>
+          </a:lnRef>
+          <a:fillRef idx="1">
+            <a:schemeClr val="accent1"/>
+          </a:fillRef>
+          <a:effectRef idx="0">
+            <a:schemeClr val="accent1"/>
+          </a:effectRef>
+          <a:fontRef idx="minor">
+            <a:schemeClr val="lt1"/>
+          </a:fontRef>
+        </p:style>
+        <p:txBody>
+          <a:bodyPr rtlCol="0" anchor="ctr"/>
+          <a:lstStyle/>
+          <a:p>
+            <a:pPr algn="ctr"/>
+            <a:endParaRPr lang="en-SG" dirty="0">
+              <a:solidFill>
+                <a:sysClr val="windowText" lastClr="000000"/>
+              </a:solidFill>
+            </a:endParaRPr>
+          </a:p>
+        </p:txBody>
+      </p:sp>
+      <p:sp>
+        <p:nvSpPr>
+          <p:cNvPr id="49" name="Rectangle 48">
+            <a:extLst>
+              <a:ext uri="{FF2B5EF4-FFF2-40B4-BE49-F238E27FC236}">
+                <a16:creationId xmlns:a16="http://schemas.microsoft.com/office/drawing/2014/main" id="{D704CD2D-9076-4CA1-BA8F-163257E9B63A}"/>
+              </a:ext>
+            </a:extLst>
+          </p:cNvPr>
+          <p:cNvSpPr/>
+          <p:nvPr/>
+        </p:nvSpPr>
+        <p:spPr>
+          <a:xfrm>
+            <a:off x="2458784" y="3829885"/>
+            <a:ext cx="631967" cy="584775"/>
+          </a:xfrm>
+          <a:prstGeom prst="rect">
+            <a:avLst/>
+          </a:prstGeom>
+          <a:solidFill>
+            <a:schemeClr val="accent4">
+              <a:lumMod val="40000"/>
+              <a:lumOff val="60000"/>
+            </a:schemeClr>
+          </a:solidFill>
+        </p:spPr>
+        <p:style>
+          <a:lnRef idx="2">
+            <a:schemeClr val="accent1">
+              <a:shade val="50000"/>
+            </a:schemeClr>
+          </a:lnRef>
+          <a:fillRef idx="1">
+            <a:schemeClr val="accent1"/>
+          </a:fillRef>
+          <a:effectRef idx="0">
+            <a:schemeClr val="accent1"/>
+          </a:effectRef>
+          <a:fontRef idx="minor">
+            <a:schemeClr val="lt1"/>
+          </a:fontRef>
+        </p:style>
+        <p:txBody>
+          <a:bodyPr rtlCol="0" anchor="ctr"/>
+          <a:lstStyle/>
+          <a:p>
+            <a:pPr algn="ctr"/>
+            <a:r>
+              <a:rPr lang="en-SG" dirty="0">
+                <a:solidFill>
+                  <a:sysClr val="windowText" lastClr="000000"/>
+                </a:solidFill>
+              </a:rPr>
+              <a:t>t=1</a:t>
+            </a:r>
+          </a:p>
+        </p:txBody>
+      </p:sp>
+      <p:sp>
+        <p:nvSpPr>
+          <p:cNvPr id="50" name="Rectangle 49">
+            <a:extLst>
+              <a:ext uri="{FF2B5EF4-FFF2-40B4-BE49-F238E27FC236}">
+                <a16:creationId xmlns:a16="http://schemas.microsoft.com/office/drawing/2014/main" id="{D03B815A-0169-43FB-A24E-2A3DCF8F30D8}"/>
+              </a:ext>
+            </a:extLst>
+          </p:cNvPr>
+          <p:cNvSpPr/>
+          <p:nvPr/>
+        </p:nvSpPr>
+        <p:spPr>
+          <a:xfrm>
+            <a:off x="3090751" y="3829885"/>
+            <a:ext cx="631967" cy="584775"/>
+          </a:xfrm>
+          <a:prstGeom prst="rect">
+            <a:avLst/>
+          </a:prstGeom>
+          <a:solidFill>
+            <a:schemeClr val="accent4">
+              <a:lumMod val="40000"/>
+              <a:lumOff val="60000"/>
+            </a:schemeClr>
+          </a:solidFill>
+        </p:spPr>
+        <p:style>
+          <a:lnRef idx="2">
+            <a:schemeClr val="accent1">
+              <a:shade val="50000"/>
+            </a:schemeClr>
+          </a:lnRef>
+          <a:fillRef idx="1">
+            <a:schemeClr val="accent1"/>
+          </a:fillRef>
+          <a:effectRef idx="0">
+            <a:schemeClr val="accent1"/>
+          </a:effectRef>
+          <a:fontRef idx="minor">
+            <a:schemeClr val="lt1"/>
+          </a:fontRef>
+        </p:style>
+        <p:txBody>
+          <a:bodyPr rtlCol="0" anchor="ctr"/>
+          <a:lstStyle/>
+          <a:p>
+            <a:pPr algn="ctr"/>
+            <a:r>
+              <a:rPr lang="en-SG" dirty="0">
+                <a:solidFill>
+                  <a:sysClr val="windowText" lastClr="000000"/>
+                </a:solidFill>
+              </a:rPr>
+              <a:t>t=2</a:t>
+            </a:r>
+          </a:p>
+        </p:txBody>
+      </p:sp>
+      <p:sp>
+        <p:nvSpPr>
+          <p:cNvPr id="51" name="Rectangle 50">
+            <a:extLst>
+              <a:ext uri="{FF2B5EF4-FFF2-40B4-BE49-F238E27FC236}">
+                <a16:creationId xmlns:a16="http://schemas.microsoft.com/office/drawing/2014/main" id="{369A1278-1467-41AE-8C20-69A3CCAF6781}"/>
+              </a:ext>
+            </a:extLst>
+          </p:cNvPr>
+          <p:cNvSpPr/>
+          <p:nvPr/>
+        </p:nvSpPr>
+        <p:spPr>
+          <a:xfrm>
+            <a:off x="3722718" y="3829885"/>
+            <a:ext cx="631967" cy="584775"/>
+          </a:xfrm>
+          <a:prstGeom prst="rect">
+            <a:avLst/>
+          </a:prstGeom>
+          <a:solidFill>
+            <a:schemeClr val="accent4">
+              <a:lumMod val="40000"/>
+              <a:lumOff val="60000"/>
+            </a:schemeClr>
+          </a:solidFill>
+        </p:spPr>
+        <p:style>
+          <a:lnRef idx="2">
+            <a:schemeClr val="accent1">
+              <a:shade val="50000"/>
+            </a:schemeClr>
+          </a:lnRef>
+          <a:fillRef idx="1">
+            <a:schemeClr val="accent1"/>
+          </a:fillRef>
+          <a:effectRef idx="0">
+            <a:schemeClr val="accent1"/>
+          </a:effectRef>
+          <a:fontRef idx="minor">
+            <a:schemeClr val="lt1"/>
+          </a:fontRef>
+        </p:style>
+        <p:txBody>
+          <a:bodyPr rtlCol="0" anchor="ctr"/>
+          <a:lstStyle/>
+          <a:p>
+            <a:pPr algn="ctr"/>
+            <a:r>
+              <a:rPr lang="en-SG" dirty="0">
+                <a:solidFill>
+                  <a:sysClr val="windowText" lastClr="000000"/>
+                </a:solidFill>
+              </a:rPr>
+              <a:t>t=3</a:t>
+            </a:r>
+          </a:p>
+        </p:txBody>
+      </p:sp>
+      <p:sp>
+        <p:nvSpPr>
+          <p:cNvPr id="52" name="Rectangle 51">
+            <a:extLst>
+              <a:ext uri="{FF2B5EF4-FFF2-40B4-BE49-F238E27FC236}">
+                <a16:creationId xmlns:a16="http://schemas.microsoft.com/office/drawing/2014/main" id="{D95CEF85-46F0-4511-B2D5-BB6F15B0F338}"/>
+              </a:ext>
+            </a:extLst>
+          </p:cNvPr>
+          <p:cNvSpPr/>
+          <p:nvPr/>
+        </p:nvSpPr>
+        <p:spPr>
+          <a:xfrm>
+            <a:off x="4354685" y="3829885"/>
+            <a:ext cx="631967" cy="584775"/>
+          </a:xfrm>
+          <a:prstGeom prst="rect">
+            <a:avLst/>
+          </a:prstGeom>
+          <a:solidFill>
+            <a:schemeClr val="accent4">
+              <a:lumMod val="40000"/>
+              <a:lumOff val="60000"/>
+            </a:schemeClr>
+          </a:solidFill>
+        </p:spPr>
+        <p:style>
+          <a:lnRef idx="2">
+            <a:schemeClr val="accent1">
+              <a:shade val="50000"/>
+            </a:schemeClr>
+          </a:lnRef>
+          <a:fillRef idx="1">
+            <a:schemeClr val="accent1"/>
+          </a:fillRef>
+          <a:effectRef idx="0">
+            <a:schemeClr val="accent1"/>
+          </a:effectRef>
+          <a:fontRef idx="minor">
+            <a:schemeClr val="lt1"/>
+          </a:fontRef>
+        </p:style>
+        <p:txBody>
+          <a:bodyPr rtlCol="0" anchor="ctr"/>
+          <a:lstStyle/>
+          <a:p>
+            <a:pPr algn="ctr"/>
+            <a:r>
+              <a:rPr lang="en-SG" dirty="0">
+                <a:solidFill>
+                  <a:sysClr val="windowText" lastClr="000000"/>
+                </a:solidFill>
+              </a:rPr>
+              <a:t>t=4</a:t>
+            </a:r>
+          </a:p>
+        </p:txBody>
+      </p:sp>
+      <p:sp>
+        <p:nvSpPr>
+          <p:cNvPr id="53" name="Rectangle 52">
+            <a:extLst>
+              <a:ext uri="{FF2B5EF4-FFF2-40B4-BE49-F238E27FC236}">
+                <a16:creationId xmlns:a16="http://schemas.microsoft.com/office/drawing/2014/main" id="{111BACF3-47A5-4F90-AB93-1EC77425D8A5}"/>
+              </a:ext>
+            </a:extLst>
+          </p:cNvPr>
+          <p:cNvSpPr/>
+          <p:nvPr/>
+        </p:nvSpPr>
+        <p:spPr>
+          <a:xfrm>
+            <a:off x="4986652" y="3829885"/>
+            <a:ext cx="631967" cy="584775"/>
+          </a:xfrm>
+          <a:prstGeom prst="rect">
+            <a:avLst/>
+          </a:prstGeom>
+          <a:solidFill>
+            <a:schemeClr val="accent4">
+              <a:lumMod val="40000"/>
+              <a:lumOff val="60000"/>
+            </a:schemeClr>
+          </a:solidFill>
+        </p:spPr>
+        <p:style>
+          <a:lnRef idx="2">
+            <a:schemeClr val="accent1">
+              <a:shade val="50000"/>
+            </a:schemeClr>
+          </a:lnRef>
+          <a:fillRef idx="1">
+            <a:schemeClr val="accent1"/>
+          </a:fillRef>
+          <a:effectRef idx="0">
+            <a:schemeClr val="accent1"/>
+          </a:effectRef>
+          <a:fontRef idx="minor">
+            <a:schemeClr val="lt1"/>
+          </a:fontRef>
+        </p:style>
+        <p:txBody>
+          <a:bodyPr rtlCol="0" anchor="ctr"/>
+          <a:lstStyle/>
+          <a:p>
+            <a:pPr algn="ctr"/>
+            <a:r>
+              <a:rPr lang="en-SG" dirty="0">
+                <a:solidFill>
+                  <a:sysClr val="windowText" lastClr="000000"/>
+                </a:solidFill>
+              </a:rPr>
+              <a:t>t=…</a:t>
+            </a:r>
+          </a:p>
+        </p:txBody>
+      </p:sp>
+      <p:cxnSp>
+        <p:nvCxnSpPr>
+          <p:cNvPr id="55" name="Straight Arrow Connector 54">
+            <a:extLst>
+              <a:ext uri="{FF2B5EF4-FFF2-40B4-BE49-F238E27FC236}">
+                <a16:creationId xmlns:a16="http://schemas.microsoft.com/office/drawing/2014/main" id="{59D6494F-CA28-4745-8A5E-A04999FDC753}"/>
+              </a:ext>
+            </a:extLst>
+          </p:cNvPr>
+          <p:cNvCxnSpPr>
+            <a:cxnSpLocks/>
+          </p:cNvCxnSpPr>
+          <p:nvPr/>
+        </p:nvCxnSpPr>
+        <p:spPr>
+          <a:xfrm flipH="1">
+            <a:off x="2779554" y="3429228"/>
+            <a:ext cx="1" cy="348815"/>
+          </a:xfrm>
+          <a:prstGeom prst="straightConnector1">
+            <a:avLst/>
+          </a:prstGeom>
+          <a:ln>
+            <a:tailEnd type="triangle"/>
+          </a:ln>
+        </p:spPr>
+        <p:style>
+          <a:lnRef idx="1">
+            <a:schemeClr val="accent1"/>
+          </a:lnRef>
+          <a:fillRef idx="0">
+            <a:schemeClr val="accent1"/>
+          </a:fillRef>
+          <a:effectRef idx="0">
+            <a:schemeClr val="accent1"/>
+          </a:effectRef>
+          <a:fontRef idx="minor">
+            <a:schemeClr val="tx1"/>
+          </a:fontRef>
+        </p:style>
+      </p:cxnSp>
+      <p:cxnSp>
+        <p:nvCxnSpPr>
+          <p:cNvPr id="56" name="Straight Arrow Connector 55">
+            <a:extLst>
+              <a:ext uri="{FF2B5EF4-FFF2-40B4-BE49-F238E27FC236}">
+                <a16:creationId xmlns:a16="http://schemas.microsoft.com/office/drawing/2014/main" id="{122E63F2-F4DA-4D6C-8CC6-7960281E23FA}"/>
+              </a:ext>
+            </a:extLst>
+          </p:cNvPr>
+          <p:cNvCxnSpPr>
+            <a:cxnSpLocks/>
+          </p:cNvCxnSpPr>
+          <p:nvPr/>
+        </p:nvCxnSpPr>
+        <p:spPr>
+          <a:xfrm flipH="1">
+            <a:off x="3411521" y="3429228"/>
+            <a:ext cx="1" cy="348815"/>
+          </a:xfrm>
+          <a:prstGeom prst="straightConnector1">
+            <a:avLst/>
+          </a:prstGeom>
+          <a:ln>
+            <a:tailEnd type="triangle"/>
+          </a:ln>
+        </p:spPr>
+        <p:style>
+          <a:lnRef idx="1">
+            <a:schemeClr val="accent1"/>
+          </a:lnRef>
+          <a:fillRef idx="0">
+            <a:schemeClr val="accent1"/>
+          </a:fillRef>
+          <a:effectRef idx="0">
+            <a:schemeClr val="accent1"/>
+          </a:effectRef>
+          <a:fontRef idx="minor">
+            <a:schemeClr val="tx1"/>
+          </a:fontRef>
+        </p:style>
+      </p:cxnSp>
+      <p:cxnSp>
+        <p:nvCxnSpPr>
+          <p:cNvPr id="57" name="Straight Arrow Connector 56">
+            <a:extLst>
+              <a:ext uri="{FF2B5EF4-FFF2-40B4-BE49-F238E27FC236}">
+                <a16:creationId xmlns:a16="http://schemas.microsoft.com/office/drawing/2014/main" id="{E122EA57-170F-491E-B6C3-D9BC4512839C}"/>
+              </a:ext>
+            </a:extLst>
+          </p:cNvPr>
+          <p:cNvCxnSpPr>
+            <a:cxnSpLocks/>
+          </p:cNvCxnSpPr>
+          <p:nvPr/>
+        </p:nvCxnSpPr>
+        <p:spPr>
+          <a:xfrm flipH="1">
+            <a:off x="4043488" y="3429228"/>
+            <a:ext cx="1" cy="348815"/>
+          </a:xfrm>
+          <a:prstGeom prst="straightConnector1">
+            <a:avLst/>
+          </a:prstGeom>
+          <a:ln>
+            <a:tailEnd type="triangle"/>
+          </a:ln>
+        </p:spPr>
+        <p:style>
+          <a:lnRef idx="1">
+            <a:schemeClr val="accent1"/>
+          </a:lnRef>
+          <a:fillRef idx="0">
+            <a:schemeClr val="accent1"/>
+          </a:fillRef>
+          <a:effectRef idx="0">
+            <a:schemeClr val="accent1"/>
+          </a:effectRef>
+          <a:fontRef idx="minor">
+            <a:schemeClr val="tx1"/>
+          </a:fontRef>
+        </p:style>
+      </p:cxnSp>
+      <p:cxnSp>
+        <p:nvCxnSpPr>
+          <p:cNvPr id="58" name="Straight Arrow Connector 57">
+            <a:extLst>
+              <a:ext uri="{FF2B5EF4-FFF2-40B4-BE49-F238E27FC236}">
+                <a16:creationId xmlns:a16="http://schemas.microsoft.com/office/drawing/2014/main" id="{940713F4-55C4-47E5-88F9-2E3538195189}"/>
+              </a:ext>
+            </a:extLst>
+          </p:cNvPr>
+          <p:cNvCxnSpPr>
+            <a:cxnSpLocks/>
+          </p:cNvCxnSpPr>
+          <p:nvPr/>
+        </p:nvCxnSpPr>
+        <p:spPr>
+          <a:xfrm>
+            <a:off x="4675456" y="3429228"/>
+            <a:ext cx="7195" cy="357489"/>
+          </a:xfrm>
+          <a:prstGeom prst="straightConnector1">
+            <a:avLst/>
+          </a:prstGeom>
+          <a:ln>
+            <a:tailEnd type="triangle"/>
+          </a:ln>
+        </p:spPr>
+        <p:style>
+          <a:lnRef idx="1">
+            <a:schemeClr val="accent1"/>
+          </a:lnRef>
+          <a:fillRef idx="0">
+            <a:schemeClr val="accent1"/>
+          </a:fillRef>
+          <a:effectRef idx="0">
+            <a:schemeClr val="accent1"/>
+          </a:effectRef>
+          <a:fontRef idx="minor">
+            <a:schemeClr val="tx1"/>
+          </a:fontRef>
+        </p:style>
+      </p:cxnSp>
+      <p:cxnSp>
+        <p:nvCxnSpPr>
+          <p:cNvPr id="59" name="Straight Arrow Connector 58">
+            <a:extLst>
+              <a:ext uri="{FF2B5EF4-FFF2-40B4-BE49-F238E27FC236}">
+                <a16:creationId xmlns:a16="http://schemas.microsoft.com/office/drawing/2014/main" id="{49BC343F-73C4-42B9-ACE7-547001BFE537}"/>
+              </a:ext>
+            </a:extLst>
+          </p:cNvPr>
+          <p:cNvCxnSpPr>
+            <a:cxnSpLocks/>
+          </p:cNvCxnSpPr>
+          <p:nvPr/>
+        </p:nvCxnSpPr>
+        <p:spPr>
+          <a:xfrm flipH="1">
+            <a:off x="5307422" y="3429228"/>
+            <a:ext cx="1" cy="357489"/>
+          </a:xfrm>
+          <a:prstGeom prst="straightConnector1">
+            <a:avLst/>
+          </a:prstGeom>
+          <a:ln>
+            <a:tailEnd type="triangle"/>
+          </a:ln>
+        </p:spPr>
+        <p:style>
+          <a:lnRef idx="1">
+            <a:schemeClr val="accent1"/>
+          </a:lnRef>
+          <a:fillRef idx="0">
+            <a:schemeClr val="accent1"/>
+          </a:fillRef>
+          <a:effectRef idx="0">
+            <a:schemeClr val="accent1"/>
+          </a:effectRef>
+          <a:fontRef idx="minor">
+            <a:schemeClr val="tx1"/>
+          </a:fontRef>
+        </p:style>
+      </p:cxnSp>
+      <p:cxnSp>
+        <p:nvCxnSpPr>
+          <p:cNvPr id="60" name="Straight Arrow Connector 59">
+            <a:extLst>
+              <a:ext uri="{FF2B5EF4-FFF2-40B4-BE49-F238E27FC236}">
+                <a16:creationId xmlns:a16="http://schemas.microsoft.com/office/drawing/2014/main" id="{9554AE26-A2CD-4229-9C82-2412A80C88F8}"/>
+              </a:ext>
+            </a:extLst>
+          </p:cNvPr>
+          <p:cNvCxnSpPr>
+            <a:cxnSpLocks/>
+          </p:cNvCxnSpPr>
+          <p:nvPr/>
+        </p:nvCxnSpPr>
+        <p:spPr>
+          <a:xfrm>
+            <a:off x="6054048" y="3429228"/>
+            <a:ext cx="0" cy="357489"/>
+          </a:xfrm>
+          <a:prstGeom prst="straightConnector1">
+            <a:avLst/>
+          </a:prstGeom>
+          <a:ln>
+            <a:tailEnd type="triangle"/>
+          </a:ln>
+        </p:spPr>
+        <p:style>
+          <a:lnRef idx="1">
+            <a:schemeClr val="accent1"/>
+          </a:lnRef>
+          <a:fillRef idx="0">
+            <a:schemeClr val="accent1"/>
+          </a:fillRef>
+          <a:effectRef idx="0">
+            <a:schemeClr val="accent1"/>
+          </a:effectRef>
+          <a:fontRef idx="minor">
+            <a:schemeClr val="tx1"/>
+          </a:fontRef>
+        </p:style>
+      </p:cxnSp>
+      <p:sp>
+        <p:nvSpPr>
+          <p:cNvPr id="61" name="Rectangle 60">
+            <a:extLst>
+              <a:ext uri="{FF2B5EF4-FFF2-40B4-BE49-F238E27FC236}">
+                <a16:creationId xmlns:a16="http://schemas.microsoft.com/office/drawing/2014/main" id="{7D9CC170-552B-4A88-88FA-6A348F24CA30}"/>
+              </a:ext>
+            </a:extLst>
+          </p:cNvPr>
+          <p:cNvSpPr/>
+          <p:nvPr/>
+        </p:nvSpPr>
+        <p:spPr>
+          <a:xfrm>
+            <a:off x="2463570" y="4700894"/>
+            <a:ext cx="631967" cy="584775"/>
+          </a:xfrm>
+          <a:prstGeom prst="rect">
+            <a:avLst/>
+          </a:prstGeom>
+          <a:solidFill>
+            <a:schemeClr val="accent6">
+              <a:lumMod val="40000"/>
+              <a:lumOff val="60000"/>
+            </a:schemeClr>
+          </a:solidFill>
+        </p:spPr>
+        <p:style>
+          <a:lnRef idx="2">
+            <a:schemeClr val="accent1">
+              <a:shade val="50000"/>
+            </a:schemeClr>
+          </a:lnRef>
+          <a:fillRef idx="1">
+            <a:schemeClr val="accent1"/>
+          </a:fillRef>
+          <a:effectRef idx="0">
+            <a:schemeClr val="accent1"/>
+          </a:effectRef>
+          <a:fontRef idx="minor">
+            <a:schemeClr val="lt1"/>
+          </a:fontRef>
+        </p:style>
+        <p:txBody>
+          <a:bodyPr rtlCol="0" anchor="ctr"/>
+          <a:lstStyle/>
+          <a:p>
+            <a:pPr algn="ctr"/>
+            <a:r>
+              <a:rPr lang="en-SG" dirty="0">
+                <a:solidFill>
+                  <a:sysClr val="windowText" lastClr="000000"/>
+                </a:solidFill>
+              </a:rPr>
+              <a:t>t=1</a:t>
+            </a:r>
+          </a:p>
+        </p:txBody>
+      </p:sp>
+      <p:sp>
+        <p:nvSpPr>
+          <p:cNvPr id="62" name="Rectangle 61">
+            <a:extLst>
+              <a:ext uri="{FF2B5EF4-FFF2-40B4-BE49-F238E27FC236}">
+                <a16:creationId xmlns:a16="http://schemas.microsoft.com/office/drawing/2014/main" id="{41485B61-5B61-4D53-BB14-3EAA6A54FAB9}"/>
+              </a:ext>
+            </a:extLst>
+          </p:cNvPr>
+          <p:cNvSpPr/>
+          <p:nvPr/>
+        </p:nvSpPr>
+        <p:spPr>
+          <a:xfrm>
+            <a:off x="3095537" y="4700894"/>
+            <a:ext cx="631967" cy="584775"/>
+          </a:xfrm>
+          <a:prstGeom prst="rect">
+            <a:avLst/>
+          </a:prstGeom>
+          <a:solidFill>
+            <a:schemeClr val="accent6">
+              <a:lumMod val="40000"/>
+              <a:lumOff val="60000"/>
+            </a:schemeClr>
+          </a:solidFill>
+        </p:spPr>
+        <p:style>
+          <a:lnRef idx="2">
+            <a:schemeClr val="accent1">
+              <a:shade val="50000"/>
+            </a:schemeClr>
+          </a:lnRef>
+          <a:fillRef idx="1">
+            <a:schemeClr val="accent1"/>
+          </a:fillRef>
+          <a:effectRef idx="0">
+            <a:schemeClr val="accent1"/>
+          </a:effectRef>
+          <a:fontRef idx="minor">
+            <a:schemeClr val="lt1"/>
+          </a:fontRef>
+        </p:style>
+        <p:txBody>
+          <a:bodyPr rtlCol="0" anchor="ctr"/>
+          <a:lstStyle/>
+          <a:p>
+            <a:pPr algn="ctr"/>
+            <a:r>
+              <a:rPr lang="en-SG" dirty="0">
+                <a:solidFill>
+                  <a:sysClr val="windowText" lastClr="000000"/>
+                </a:solidFill>
+              </a:rPr>
+              <a:t>t=2</a:t>
+            </a:r>
+          </a:p>
+        </p:txBody>
+      </p:sp>
+      <p:sp>
+        <p:nvSpPr>
+          <p:cNvPr id="63" name="Rectangle 62">
+            <a:extLst>
+              <a:ext uri="{FF2B5EF4-FFF2-40B4-BE49-F238E27FC236}">
+                <a16:creationId xmlns:a16="http://schemas.microsoft.com/office/drawing/2014/main" id="{A152BD9F-C27C-418C-BC80-61E0586F8119}"/>
+              </a:ext>
+            </a:extLst>
+          </p:cNvPr>
+          <p:cNvSpPr/>
+          <p:nvPr/>
+        </p:nvSpPr>
+        <p:spPr>
+          <a:xfrm>
+            <a:off x="3727504" y="4700894"/>
+            <a:ext cx="631967" cy="584775"/>
+          </a:xfrm>
+          <a:prstGeom prst="rect">
+            <a:avLst/>
+          </a:prstGeom>
+          <a:solidFill>
+            <a:schemeClr val="accent6">
+              <a:lumMod val="40000"/>
+              <a:lumOff val="60000"/>
+            </a:schemeClr>
+          </a:solidFill>
+        </p:spPr>
+        <p:style>
+          <a:lnRef idx="2">
+            <a:schemeClr val="accent1">
+              <a:shade val="50000"/>
+            </a:schemeClr>
+          </a:lnRef>
+          <a:fillRef idx="1">
+            <a:schemeClr val="accent1"/>
+          </a:fillRef>
+          <a:effectRef idx="0">
+            <a:schemeClr val="accent1"/>
+          </a:effectRef>
+          <a:fontRef idx="minor">
+            <a:schemeClr val="lt1"/>
+          </a:fontRef>
+        </p:style>
+        <p:txBody>
+          <a:bodyPr rtlCol="0" anchor="ctr"/>
+          <a:lstStyle/>
+          <a:p>
+            <a:pPr algn="ctr"/>
+            <a:r>
+              <a:rPr lang="en-SG" dirty="0">
+                <a:solidFill>
+                  <a:sysClr val="windowText" lastClr="000000"/>
+                </a:solidFill>
+              </a:rPr>
+              <a:t>t=3</a:t>
+            </a:r>
+          </a:p>
+        </p:txBody>
+      </p:sp>
+      <p:sp>
+        <p:nvSpPr>
+          <p:cNvPr id="64" name="Rectangle 63">
+            <a:extLst>
+              <a:ext uri="{FF2B5EF4-FFF2-40B4-BE49-F238E27FC236}">
+                <a16:creationId xmlns:a16="http://schemas.microsoft.com/office/drawing/2014/main" id="{0745173C-7078-4E17-9DBF-6676F2AFB41F}"/>
+              </a:ext>
+            </a:extLst>
+          </p:cNvPr>
+          <p:cNvSpPr/>
+          <p:nvPr/>
+        </p:nvSpPr>
+        <p:spPr>
+          <a:xfrm>
+            <a:off x="4359471" y="4700894"/>
+            <a:ext cx="631967" cy="584775"/>
+          </a:xfrm>
+          <a:prstGeom prst="rect">
+            <a:avLst/>
+          </a:prstGeom>
+          <a:solidFill>
+            <a:schemeClr val="accent6">
+              <a:lumMod val="40000"/>
+              <a:lumOff val="60000"/>
+            </a:schemeClr>
+          </a:solidFill>
+        </p:spPr>
+        <p:style>
+          <a:lnRef idx="2">
+            <a:schemeClr val="accent1">
+              <a:shade val="50000"/>
+            </a:schemeClr>
+          </a:lnRef>
+          <a:fillRef idx="1">
+            <a:schemeClr val="accent1"/>
+          </a:fillRef>
+          <a:effectRef idx="0">
+            <a:schemeClr val="accent1"/>
+          </a:effectRef>
+          <a:fontRef idx="minor">
+            <a:schemeClr val="lt1"/>
+          </a:fontRef>
+        </p:style>
+        <p:txBody>
+          <a:bodyPr rtlCol="0" anchor="ctr"/>
+          <a:lstStyle/>
+          <a:p>
+            <a:pPr algn="ctr"/>
+            <a:r>
+              <a:rPr lang="en-SG" dirty="0">
+                <a:solidFill>
+                  <a:sysClr val="windowText" lastClr="000000"/>
+                </a:solidFill>
+              </a:rPr>
+              <a:t>t=4</a:t>
+            </a:r>
+          </a:p>
+        </p:txBody>
+      </p:sp>
+      <p:sp>
+        <p:nvSpPr>
+          <p:cNvPr id="65" name="Rectangle 64">
+            <a:extLst>
+              <a:ext uri="{FF2B5EF4-FFF2-40B4-BE49-F238E27FC236}">
+                <a16:creationId xmlns:a16="http://schemas.microsoft.com/office/drawing/2014/main" id="{7565F98C-0204-4EC2-8F7E-A996E45C0888}"/>
+              </a:ext>
+            </a:extLst>
+          </p:cNvPr>
+          <p:cNvSpPr/>
+          <p:nvPr/>
+        </p:nvSpPr>
+        <p:spPr>
+          <a:xfrm>
+            <a:off x="4991438" y="4700894"/>
+            <a:ext cx="631967" cy="584775"/>
+          </a:xfrm>
+          <a:prstGeom prst="rect">
+            <a:avLst/>
+          </a:prstGeom>
+          <a:solidFill>
+            <a:schemeClr val="accent6">
+              <a:lumMod val="40000"/>
+              <a:lumOff val="60000"/>
+            </a:schemeClr>
+          </a:solidFill>
+        </p:spPr>
+        <p:style>
+          <a:lnRef idx="2">
+            <a:schemeClr val="accent1">
+              <a:shade val="50000"/>
+            </a:schemeClr>
+          </a:lnRef>
+          <a:fillRef idx="1">
+            <a:schemeClr val="accent1"/>
+          </a:fillRef>
+          <a:effectRef idx="0">
+            <a:schemeClr val="accent1"/>
+          </a:effectRef>
+          <a:fontRef idx="minor">
+            <a:schemeClr val="lt1"/>
+          </a:fontRef>
+        </p:style>
+        <p:txBody>
+          <a:bodyPr rtlCol="0" anchor="ctr"/>
+          <a:lstStyle/>
+          <a:p>
+            <a:pPr algn="ctr"/>
+            <a:r>
+              <a:rPr lang="en-SG" dirty="0">
+                <a:solidFill>
+                  <a:sysClr val="windowText" lastClr="000000"/>
+                </a:solidFill>
+              </a:rPr>
+              <a:t>t=…</a:t>
+            </a:r>
+          </a:p>
+        </p:txBody>
+      </p:sp>
+    </p:spTree>
+    <p:extLst>
+      <p:ext uri="{BB962C8B-B14F-4D97-AF65-F5344CB8AC3E}">
+        <p14:creationId xmlns:p14="http://schemas.microsoft.com/office/powerpoint/2010/main" val="1917744140"/>
+      </p:ext>
+    </p:extLst>
+  </p:cSld>
+  <p:clrMapOvr>
+    <a:masterClrMapping/>
+  </p:clrMapOvr>
+</p:sld>
+</file>
+
+<file path=ppt/slides/slide2.xml><?xml version="1.0" encoding="utf-8"?>
+<p:sld xmlns:a="http://schemas.openxmlformats.org/drawingml/2006/main" xmlns:r="http://schemas.openxmlformats.org/officeDocument/2006/relationships" xmlns:p="http://schemas.openxmlformats.org/presentationml/2006/main">
+  <p:cSld>
+    <p:spTree>
+      <p:nvGrpSpPr>
+        <p:cNvPr id="1" name=""/>
+        <p:cNvGrpSpPr/>
+        <p:nvPr/>
+      </p:nvGrpSpPr>
+      <p:grpSpPr>
+        <a:xfrm>
+          <a:off x="0" y="0"/>
+          <a:ext cx="0" cy="0"/>
+          <a:chOff x="0" y="0"/>
+          <a:chExt cx="0" cy="0"/>
+        </a:xfrm>
+      </p:grpSpPr>
+      <p:sp>
+        <p:nvSpPr>
+          <p:cNvPr id="4" name="Rectangle 3">
+            <a:extLst>
+              <a:ext uri="{FF2B5EF4-FFF2-40B4-BE49-F238E27FC236}">
                 <a16:creationId xmlns:a16="http://schemas.microsoft.com/office/drawing/2014/main" id="{70329961-E0E4-46BE-9279-B38E1C87531B}"/>
               </a:ext>
             </a:extLst>
@@ -3444,7 +5610,7 @@
                   <a:sysClr val="windowText" lastClr="000000"/>
                 </a:solidFill>
               </a:rPr>
-              <a:t>t=1</a:t>
+              <a:t>t=0</a:t>
             </a:r>
           </a:p>
         </p:txBody>
@@ -3464,6 +5630,65 @@
         <p:spPr>
           <a:xfrm>
             <a:off x="3095538" y="1898366"/>
+            <a:ext cx="631967" cy="584775"/>
+          </a:xfrm>
+          <a:prstGeom prst="rect">
+            <a:avLst/>
+          </a:prstGeom>
+          <a:solidFill>
+            <a:schemeClr val="accent1">
+              <a:lumMod val="40000"/>
+              <a:lumOff val="60000"/>
+            </a:schemeClr>
+          </a:solidFill>
+        </p:spPr>
+        <p:style>
+          <a:lnRef idx="2">
+            <a:schemeClr val="accent1">
+              <a:shade val="50000"/>
+            </a:schemeClr>
+          </a:lnRef>
+          <a:fillRef idx="1">
+            <a:schemeClr val="accent1"/>
+          </a:fillRef>
+          <a:effectRef idx="0">
+            <a:schemeClr val="accent1"/>
+          </a:effectRef>
+          <a:fontRef idx="minor">
+            <a:schemeClr val="lt1"/>
+          </a:fontRef>
+        </p:style>
+        <p:txBody>
+          <a:bodyPr rtlCol="0" anchor="ctr"/>
+          <a:lstStyle/>
+          <a:p>
+            <a:pPr algn="ctr"/>
+            <a:r>
+              <a:rPr lang="en-SG" dirty="0">
+                <a:solidFill>
+                  <a:sysClr val="windowText" lastClr="000000"/>
+                </a:solidFill>
+              </a:rPr>
+              <a:t>t=1</a:t>
+            </a:r>
+          </a:p>
+        </p:txBody>
+      </p:sp>
+      <p:sp>
+        <p:nvSpPr>
+          <p:cNvPr id="7" name="Rectangle 6">
+            <a:extLst>
+              <a:ext uri="{FF2B5EF4-FFF2-40B4-BE49-F238E27FC236}">
+                <a16:creationId xmlns:a16="http://schemas.microsoft.com/office/drawing/2014/main" id="{055E3789-30F6-4305-AD6F-EF34F0F431D3}"/>
+              </a:ext>
+            </a:extLst>
+          </p:cNvPr>
+          <p:cNvSpPr/>
+          <p:nvPr/>
+        </p:nvSpPr>
+        <p:spPr>
+          <a:xfrm>
+            <a:off x="3727505" y="1898366"/>
             <a:ext cx="631967" cy="584775"/>
           </a:xfrm>
           <a:prstGeom prst="rect">
@@ -3510,10 +5735,10 @@
       </p:sp>
       <p:sp>
         <p:nvSpPr>
-          <p:cNvPr id="7" name="Rectangle 6">
-            <a:extLst>
-              <a:ext uri="{FF2B5EF4-FFF2-40B4-BE49-F238E27FC236}">
-                <a16:creationId xmlns:a16="http://schemas.microsoft.com/office/drawing/2014/main" id="{055E3789-30F6-4305-AD6F-EF34F0F431D3}"/>
+          <p:cNvPr id="8" name="Rectangle 7">
+            <a:extLst>
+              <a:ext uri="{FF2B5EF4-FFF2-40B4-BE49-F238E27FC236}">
+                <a16:creationId xmlns:a16="http://schemas.microsoft.com/office/drawing/2014/main" id="{1E14514C-7978-4A77-9AA3-D7BFD135E73A}"/>
               </a:ext>
             </a:extLst>
           </p:cNvPr>
@@ -3522,7 +5747,7 @@
         </p:nvSpPr>
         <p:spPr>
           <a:xfrm>
-            <a:off x="3727505" y="1898366"/>
+            <a:off x="4359472" y="1898366"/>
             <a:ext cx="631967" cy="584775"/>
           </a:xfrm>
           <a:prstGeom prst="rect">
@@ -3563,65 +5788,6 @@
                 </a:solidFill>
               </a:rPr>
               <a:t>t=3</a:t>
-            </a:r>
-          </a:p>
-        </p:txBody>
-      </p:sp>
-      <p:sp>
-        <p:nvSpPr>
-          <p:cNvPr id="8" name="Rectangle 7">
-            <a:extLst>
-              <a:ext uri="{FF2B5EF4-FFF2-40B4-BE49-F238E27FC236}">
-                <a16:creationId xmlns:a16="http://schemas.microsoft.com/office/drawing/2014/main" id="{1E14514C-7978-4A77-9AA3-D7BFD135E73A}"/>
-              </a:ext>
-            </a:extLst>
-          </p:cNvPr>
-          <p:cNvSpPr/>
-          <p:nvPr/>
-        </p:nvSpPr>
-        <p:spPr>
-          <a:xfrm>
-            <a:off x="4359472" y="1898366"/>
-            <a:ext cx="631967" cy="584775"/>
-          </a:xfrm>
-          <a:prstGeom prst="rect">
-            <a:avLst/>
-          </a:prstGeom>
-          <a:solidFill>
-            <a:schemeClr val="accent1">
-              <a:lumMod val="40000"/>
-              <a:lumOff val="60000"/>
-            </a:schemeClr>
-          </a:solidFill>
-        </p:spPr>
-        <p:style>
-          <a:lnRef idx="2">
-            <a:schemeClr val="accent1">
-              <a:shade val="50000"/>
-            </a:schemeClr>
-          </a:lnRef>
-          <a:fillRef idx="1">
-            <a:schemeClr val="accent1"/>
-          </a:fillRef>
-          <a:effectRef idx="0">
-            <a:schemeClr val="accent1"/>
-          </a:effectRef>
-          <a:fontRef idx="minor">
-            <a:schemeClr val="lt1"/>
-          </a:fontRef>
-        </p:style>
-        <p:txBody>
-          <a:bodyPr rtlCol="0" anchor="ctr"/>
-          <a:lstStyle/>
-          <a:p>
-            <a:pPr algn="ctr"/>
-            <a:r>
-              <a:rPr lang="en-SG" dirty="0">
-                <a:solidFill>
-                  <a:sysClr val="windowText" lastClr="000000"/>
-                </a:solidFill>
-              </a:rPr>
-              <a:t>t=4</a:t>
             </a:r>
           </a:p>
         </p:txBody>

--- a/Images/streamlit/Atilla/diagrams.pptx
+++ b/Images/streamlit/Atilla/diagrams.pptx
@@ -6,7 +6,8 @@
   </p:sldMasterIdLst>
   <p:sldIdLst>
     <p:sldId id="257" r:id="rId2"/>
-    <p:sldId id="256" r:id="rId3"/>
+    <p:sldId id="258" r:id="rId3"/>
+    <p:sldId id="256" r:id="rId4"/>
   </p:sldIdLst>
   <p:sldSz cx="12192000" cy="6858000"/>
   <p:notesSz cx="6858000" cy="9144000"/>
@@ -5513,6 +5514,1167 @@
           <p:cNvPr id="4" name="Rectangle 3">
             <a:extLst>
               <a:ext uri="{FF2B5EF4-FFF2-40B4-BE49-F238E27FC236}">
+                <a16:creationId xmlns:a16="http://schemas.microsoft.com/office/drawing/2014/main" id="{C07AB8D5-6D7A-4242-AC3E-BDF95975A94F}"/>
+              </a:ext>
+            </a:extLst>
+          </p:cNvPr>
+          <p:cNvSpPr/>
+          <p:nvPr/>
+        </p:nvSpPr>
+        <p:spPr>
+          <a:xfrm>
+            <a:off x="564046" y="291247"/>
+            <a:ext cx="3799053" cy="584775"/>
+          </a:xfrm>
+          <a:prstGeom prst="rect">
+            <a:avLst/>
+          </a:prstGeom>
+          <a:noFill/>
+        </p:spPr>
+        <p:txBody>
+          <a:bodyPr wrap="none" lIns="91440" tIns="45720" rIns="91440" bIns="45720">
+            <a:spAutoFit/>
+          </a:bodyPr>
+          <a:lstStyle/>
+          <a:p>
+            <a:pPr algn="ctr"/>
+            <a:r>
+              <a:rPr lang="en-US" sz="3200" b="0" cap="none" spc="0" dirty="0">
+                <a:ln w="0"/>
+                <a:solidFill>
+                  <a:schemeClr val="tx1"/>
+                </a:solidFill>
+                <a:effectLst>
+                  <a:outerShdw blurRad="38100" dist="19050" dir="2700000" algn="tl" rotWithShape="0">
+                    <a:schemeClr val="dk1">
+                      <a:alpha val="40000"/>
+                    </a:schemeClr>
+                  </a:outerShdw>
+                </a:effectLst>
+              </a:rPr>
+              <a:t>Single Dense Diagram</a:t>
+            </a:r>
+          </a:p>
+        </p:txBody>
+      </p:sp>
+      <p:sp>
+        <p:nvSpPr>
+          <p:cNvPr id="5" name="Rectangle 4">
+            <a:extLst>
+              <a:ext uri="{FF2B5EF4-FFF2-40B4-BE49-F238E27FC236}">
+                <a16:creationId xmlns:a16="http://schemas.microsoft.com/office/drawing/2014/main" id="{1C544724-160A-4023-B460-7F5F66CD59E4}"/>
+              </a:ext>
+            </a:extLst>
+          </p:cNvPr>
+          <p:cNvSpPr/>
+          <p:nvPr/>
+        </p:nvSpPr>
+        <p:spPr>
+          <a:xfrm>
+            <a:off x="2463571" y="1898366"/>
+            <a:ext cx="631967" cy="584775"/>
+          </a:xfrm>
+          <a:prstGeom prst="rect">
+            <a:avLst/>
+          </a:prstGeom>
+          <a:solidFill>
+            <a:schemeClr val="accent1">
+              <a:lumMod val="40000"/>
+              <a:lumOff val="60000"/>
+            </a:schemeClr>
+          </a:solidFill>
+        </p:spPr>
+        <p:style>
+          <a:lnRef idx="2">
+            <a:schemeClr val="accent1">
+              <a:shade val="50000"/>
+            </a:schemeClr>
+          </a:lnRef>
+          <a:fillRef idx="1">
+            <a:schemeClr val="accent1"/>
+          </a:fillRef>
+          <a:effectRef idx="0">
+            <a:schemeClr val="accent1"/>
+          </a:effectRef>
+          <a:fontRef idx="minor">
+            <a:schemeClr val="lt1"/>
+          </a:fontRef>
+        </p:style>
+        <p:txBody>
+          <a:bodyPr rtlCol="0" anchor="ctr"/>
+          <a:lstStyle/>
+          <a:p>
+            <a:pPr algn="ctr"/>
+            <a:r>
+              <a:rPr lang="en-SG" dirty="0">
+                <a:solidFill>
+                  <a:sysClr val="windowText" lastClr="000000"/>
+                </a:solidFill>
+              </a:rPr>
+              <a:t>t=0</a:t>
+            </a:r>
+          </a:p>
+        </p:txBody>
+      </p:sp>
+      <p:sp>
+        <p:nvSpPr>
+          <p:cNvPr id="6" name="Rectangle 5">
+            <a:extLst>
+              <a:ext uri="{FF2B5EF4-FFF2-40B4-BE49-F238E27FC236}">
+                <a16:creationId xmlns:a16="http://schemas.microsoft.com/office/drawing/2014/main" id="{451431EB-2B8B-4E37-9761-001F5082E408}"/>
+              </a:ext>
+            </a:extLst>
+          </p:cNvPr>
+          <p:cNvSpPr/>
+          <p:nvPr/>
+        </p:nvSpPr>
+        <p:spPr>
+          <a:xfrm>
+            <a:off x="3095538" y="1898366"/>
+            <a:ext cx="631967" cy="584775"/>
+          </a:xfrm>
+          <a:prstGeom prst="rect">
+            <a:avLst/>
+          </a:prstGeom>
+          <a:solidFill>
+            <a:schemeClr val="accent1">
+              <a:lumMod val="40000"/>
+              <a:lumOff val="60000"/>
+            </a:schemeClr>
+          </a:solidFill>
+        </p:spPr>
+        <p:style>
+          <a:lnRef idx="2">
+            <a:schemeClr val="accent1">
+              <a:shade val="50000"/>
+            </a:schemeClr>
+          </a:lnRef>
+          <a:fillRef idx="1">
+            <a:schemeClr val="accent1"/>
+          </a:fillRef>
+          <a:effectRef idx="0">
+            <a:schemeClr val="accent1"/>
+          </a:effectRef>
+          <a:fontRef idx="minor">
+            <a:schemeClr val="lt1"/>
+          </a:fontRef>
+        </p:style>
+        <p:txBody>
+          <a:bodyPr rtlCol="0" anchor="ctr"/>
+          <a:lstStyle/>
+          <a:p>
+            <a:pPr algn="ctr"/>
+            <a:r>
+              <a:rPr lang="en-SG" dirty="0">
+                <a:solidFill>
+                  <a:sysClr val="windowText" lastClr="000000"/>
+                </a:solidFill>
+              </a:rPr>
+              <a:t>t=1</a:t>
+            </a:r>
+          </a:p>
+        </p:txBody>
+      </p:sp>
+      <p:sp>
+        <p:nvSpPr>
+          <p:cNvPr id="7" name="Rectangle 6">
+            <a:extLst>
+              <a:ext uri="{FF2B5EF4-FFF2-40B4-BE49-F238E27FC236}">
+                <a16:creationId xmlns:a16="http://schemas.microsoft.com/office/drawing/2014/main" id="{531223DE-5DAD-4C86-A063-C0D3C4807C58}"/>
+              </a:ext>
+            </a:extLst>
+          </p:cNvPr>
+          <p:cNvSpPr/>
+          <p:nvPr/>
+        </p:nvSpPr>
+        <p:spPr>
+          <a:xfrm>
+            <a:off x="3727505" y="1898366"/>
+            <a:ext cx="631967" cy="584775"/>
+          </a:xfrm>
+          <a:prstGeom prst="rect">
+            <a:avLst/>
+          </a:prstGeom>
+          <a:solidFill>
+            <a:schemeClr val="accent1">
+              <a:lumMod val="40000"/>
+              <a:lumOff val="60000"/>
+            </a:schemeClr>
+          </a:solidFill>
+        </p:spPr>
+        <p:style>
+          <a:lnRef idx="2">
+            <a:schemeClr val="accent1">
+              <a:shade val="50000"/>
+            </a:schemeClr>
+          </a:lnRef>
+          <a:fillRef idx="1">
+            <a:schemeClr val="accent1"/>
+          </a:fillRef>
+          <a:effectRef idx="0">
+            <a:schemeClr val="accent1"/>
+          </a:effectRef>
+          <a:fontRef idx="minor">
+            <a:schemeClr val="lt1"/>
+          </a:fontRef>
+        </p:style>
+        <p:txBody>
+          <a:bodyPr rtlCol="0" anchor="ctr"/>
+          <a:lstStyle/>
+          <a:p>
+            <a:pPr algn="ctr"/>
+            <a:r>
+              <a:rPr lang="en-SG" dirty="0">
+                <a:solidFill>
+                  <a:sysClr val="windowText" lastClr="000000"/>
+                </a:solidFill>
+              </a:rPr>
+              <a:t>t=2</a:t>
+            </a:r>
+          </a:p>
+        </p:txBody>
+      </p:sp>
+      <p:sp>
+        <p:nvSpPr>
+          <p:cNvPr id="8" name="Rectangle 7">
+            <a:extLst>
+              <a:ext uri="{FF2B5EF4-FFF2-40B4-BE49-F238E27FC236}">
+                <a16:creationId xmlns:a16="http://schemas.microsoft.com/office/drawing/2014/main" id="{3D4C1B20-D18D-4D2D-BB80-D12FC90DF01C}"/>
+              </a:ext>
+            </a:extLst>
+          </p:cNvPr>
+          <p:cNvSpPr/>
+          <p:nvPr/>
+        </p:nvSpPr>
+        <p:spPr>
+          <a:xfrm>
+            <a:off x="4359472" y="1898366"/>
+            <a:ext cx="631967" cy="584775"/>
+          </a:xfrm>
+          <a:prstGeom prst="rect">
+            <a:avLst/>
+          </a:prstGeom>
+          <a:solidFill>
+            <a:schemeClr val="accent1">
+              <a:lumMod val="40000"/>
+              <a:lumOff val="60000"/>
+            </a:schemeClr>
+          </a:solidFill>
+        </p:spPr>
+        <p:style>
+          <a:lnRef idx="2">
+            <a:schemeClr val="accent1">
+              <a:shade val="50000"/>
+            </a:schemeClr>
+          </a:lnRef>
+          <a:fillRef idx="1">
+            <a:schemeClr val="accent1"/>
+          </a:fillRef>
+          <a:effectRef idx="0">
+            <a:schemeClr val="accent1"/>
+          </a:effectRef>
+          <a:fontRef idx="minor">
+            <a:schemeClr val="lt1"/>
+          </a:fontRef>
+        </p:style>
+        <p:txBody>
+          <a:bodyPr rtlCol="0" anchor="ctr"/>
+          <a:lstStyle/>
+          <a:p>
+            <a:pPr algn="ctr"/>
+            <a:r>
+              <a:rPr lang="en-SG" dirty="0">
+                <a:solidFill>
+                  <a:sysClr val="windowText" lastClr="000000"/>
+                </a:solidFill>
+              </a:rPr>
+              <a:t>t=3</a:t>
+            </a:r>
+          </a:p>
+        </p:txBody>
+      </p:sp>
+      <p:sp>
+        <p:nvSpPr>
+          <p:cNvPr id="9" name="Rectangle 8">
+            <a:extLst>
+              <a:ext uri="{FF2B5EF4-FFF2-40B4-BE49-F238E27FC236}">
+                <a16:creationId xmlns:a16="http://schemas.microsoft.com/office/drawing/2014/main" id="{A1E68166-671A-4446-B5DF-703D82950C8C}"/>
+              </a:ext>
+            </a:extLst>
+          </p:cNvPr>
+          <p:cNvSpPr/>
+          <p:nvPr/>
+        </p:nvSpPr>
+        <p:spPr>
+          <a:xfrm>
+            <a:off x="4991439" y="1898366"/>
+            <a:ext cx="631967" cy="584775"/>
+          </a:xfrm>
+          <a:prstGeom prst="rect">
+            <a:avLst/>
+          </a:prstGeom>
+          <a:solidFill>
+            <a:schemeClr val="accent1">
+              <a:lumMod val="40000"/>
+              <a:lumOff val="60000"/>
+            </a:schemeClr>
+          </a:solidFill>
+        </p:spPr>
+        <p:style>
+          <a:lnRef idx="2">
+            <a:schemeClr val="accent1">
+              <a:shade val="50000"/>
+            </a:schemeClr>
+          </a:lnRef>
+          <a:fillRef idx="1">
+            <a:schemeClr val="accent1"/>
+          </a:fillRef>
+          <a:effectRef idx="0">
+            <a:schemeClr val="accent1"/>
+          </a:effectRef>
+          <a:fontRef idx="minor">
+            <a:schemeClr val="lt1"/>
+          </a:fontRef>
+        </p:style>
+        <p:txBody>
+          <a:bodyPr rtlCol="0" anchor="ctr"/>
+          <a:lstStyle/>
+          <a:p>
+            <a:pPr algn="ctr"/>
+            <a:r>
+              <a:rPr lang="en-SG" dirty="0">
+                <a:solidFill>
+                  <a:sysClr val="windowText" lastClr="000000"/>
+                </a:solidFill>
+              </a:rPr>
+              <a:t>t=…</a:t>
+            </a:r>
+          </a:p>
+        </p:txBody>
+      </p:sp>
+      <p:sp>
+        <p:nvSpPr>
+          <p:cNvPr id="10" name="Rectangle 9">
+            <a:extLst>
+              <a:ext uri="{FF2B5EF4-FFF2-40B4-BE49-F238E27FC236}">
+                <a16:creationId xmlns:a16="http://schemas.microsoft.com/office/drawing/2014/main" id="{9A51AA2E-3FCC-4A22-9579-CF2308F3F806}"/>
+              </a:ext>
+            </a:extLst>
+          </p:cNvPr>
+          <p:cNvSpPr/>
+          <p:nvPr/>
+        </p:nvSpPr>
+        <p:spPr>
+          <a:xfrm>
+            <a:off x="5623406" y="1898366"/>
+            <a:ext cx="861284" cy="584775"/>
+          </a:xfrm>
+          <a:prstGeom prst="rect">
+            <a:avLst/>
+          </a:prstGeom>
+          <a:solidFill>
+            <a:schemeClr val="accent1">
+              <a:lumMod val="40000"/>
+              <a:lumOff val="60000"/>
+            </a:schemeClr>
+          </a:solidFill>
+        </p:spPr>
+        <p:style>
+          <a:lnRef idx="2">
+            <a:schemeClr val="accent1">
+              <a:shade val="50000"/>
+            </a:schemeClr>
+          </a:lnRef>
+          <a:fillRef idx="1">
+            <a:schemeClr val="accent1"/>
+          </a:fillRef>
+          <a:effectRef idx="0">
+            <a:schemeClr val="accent1"/>
+          </a:effectRef>
+          <a:fontRef idx="minor">
+            <a:schemeClr val="lt1"/>
+          </a:fontRef>
+        </p:style>
+        <p:txBody>
+          <a:bodyPr rtlCol="0" anchor="ctr"/>
+          <a:lstStyle/>
+          <a:p>
+            <a:pPr algn="ctr"/>
+            <a:r>
+              <a:rPr lang="en-SG" dirty="0">
+                <a:solidFill>
+                  <a:sysClr val="windowText" lastClr="000000"/>
+                </a:solidFill>
+              </a:rPr>
+              <a:t>t=119</a:t>
+            </a:r>
+          </a:p>
+        </p:txBody>
+      </p:sp>
+      <p:cxnSp>
+        <p:nvCxnSpPr>
+          <p:cNvPr id="24" name="Straight Arrow Connector 23">
+            <a:extLst>
+              <a:ext uri="{FF2B5EF4-FFF2-40B4-BE49-F238E27FC236}">
+                <a16:creationId xmlns:a16="http://schemas.microsoft.com/office/drawing/2014/main" id="{057A1516-52DB-4710-AB24-AC6B64FF26A2}"/>
+              </a:ext>
+            </a:extLst>
+          </p:cNvPr>
+          <p:cNvCxnSpPr>
+            <a:cxnSpLocks/>
+            <a:stCxn id="10" idx="2"/>
+            <a:endCxn id="48" idx="0"/>
+          </p:cNvCxnSpPr>
+          <p:nvPr/>
+        </p:nvCxnSpPr>
+        <p:spPr>
+          <a:xfrm>
+            <a:off x="6054048" y="2483141"/>
+            <a:ext cx="7780" cy="368248"/>
+          </a:xfrm>
+          <a:prstGeom prst="straightConnector1">
+            <a:avLst/>
+          </a:prstGeom>
+          <a:ln>
+            <a:tailEnd type="triangle"/>
+          </a:ln>
+        </p:spPr>
+        <p:style>
+          <a:lnRef idx="1">
+            <a:schemeClr val="accent1"/>
+          </a:lnRef>
+          <a:fillRef idx="0">
+            <a:schemeClr val="accent1"/>
+          </a:fillRef>
+          <a:effectRef idx="0">
+            <a:schemeClr val="accent1"/>
+          </a:effectRef>
+          <a:fontRef idx="minor">
+            <a:schemeClr val="tx1"/>
+          </a:fontRef>
+        </p:style>
+      </p:cxnSp>
+      <p:sp>
+        <p:nvSpPr>
+          <p:cNvPr id="28" name="Rectangle 27">
+            <a:extLst>
+              <a:ext uri="{FF2B5EF4-FFF2-40B4-BE49-F238E27FC236}">
+                <a16:creationId xmlns:a16="http://schemas.microsoft.com/office/drawing/2014/main" id="{08328FC9-5094-43D3-BA32-C0240877E75A}"/>
+              </a:ext>
+            </a:extLst>
+          </p:cNvPr>
+          <p:cNvSpPr/>
+          <p:nvPr/>
+        </p:nvSpPr>
+        <p:spPr>
+          <a:xfrm>
+            <a:off x="6613339" y="1990698"/>
+            <a:ext cx="739306" cy="400110"/>
+          </a:xfrm>
+          <a:prstGeom prst="rect">
+            <a:avLst/>
+          </a:prstGeom>
+          <a:noFill/>
+        </p:spPr>
+        <p:txBody>
+          <a:bodyPr wrap="none" lIns="91440" tIns="45720" rIns="91440" bIns="45720">
+            <a:spAutoFit/>
+          </a:bodyPr>
+          <a:lstStyle/>
+          <a:p>
+            <a:pPr algn="ctr"/>
+            <a:r>
+              <a:rPr lang="en-US" sz="2000" b="0" cap="none" spc="0" dirty="0">
+                <a:ln w="0"/>
+                <a:solidFill>
+                  <a:schemeClr val="tx1"/>
+                </a:solidFill>
+                <a:effectLst>
+                  <a:outerShdw blurRad="38100" dist="19050" dir="2700000" algn="tl" rotWithShape="0">
+                    <a:schemeClr val="dk1">
+                      <a:alpha val="40000"/>
+                    </a:schemeClr>
+                  </a:outerShdw>
+                </a:effectLst>
+              </a:rPr>
+              <a:t>Input</a:t>
+            </a:r>
+          </a:p>
+        </p:txBody>
+      </p:sp>
+      <p:sp>
+        <p:nvSpPr>
+          <p:cNvPr id="29" name="Rectangle 28">
+            <a:extLst>
+              <a:ext uri="{FF2B5EF4-FFF2-40B4-BE49-F238E27FC236}">
+                <a16:creationId xmlns:a16="http://schemas.microsoft.com/office/drawing/2014/main" id="{D953ADF1-FB21-49DD-B7A4-B467AECD5381}"/>
+              </a:ext>
+            </a:extLst>
+          </p:cNvPr>
+          <p:cNvSpPr/>
+          <p:nvPr/>
+        </p:nvSpPr>
+        <p:spPr>
+          <a:xfrm>
+            <a:off x="6608839" y="3012340"/>
+            <a:ext cx="861133" cy="400110"/>
+          </a:xfrm>
+          <a:prstGeom prst="rect">
+            <a:avLst/>
+          </a:prstGeom>
+          <a:noFill/>
+        </p:spPr>
+        <p:txBody>
+          <a:bodyPr wrap="none" lIns="91440" tIns="45720" rIns="91440" bIns="45720">
+            <a:spAutoFit/>
+          </a:bodyPr>
+          <a:lstStyle/>
+          <a:p>
+            <a:pPr algn="ctr"/>
+            <a:r>
+              <a:rPr lang="en-US" sz="2000" b="0" cap="none" spc="0" dirty="0">
+                <a:ln w="0"/>
+                <a:solidFill>
+                  <a:schemeClr val="tx1"/>
+                </a:solidFill>
+                <a:effectLst>
+                  <a:outerShdw blurRad="38100" dist="19050" dir="2700000" algn="tl" rotWithShape="0">
+                    <a:schemeClr val="dk1">
+                      <a:alpha val="40000"/>
+                    </a:schemeClr>
+                  </a:outerShdw>
+                </a:effectLst>
+              </a:rPr>
+              <a:t>Model</a:t>
+            </a:r>
+          </a:p>
+        </p:txBody>
+      </p:sp>
+      <p:sp>
+        <p:nvSpPr>
+          <p:cNvPr id="31" name="Rectangle 30">
+            <a:extLst>
+              <a:ext uri="{FF2B5EF4-FFF2-40B4-BE49-F238E27FC236}">
+                <a16:creationId xmlns:a16="http://schemas.microsoft.com/office/drawing/2014/main" id="{B8D04446-5FA0-4C8E-BFA4-7A0F7E56A312}"/>
+              </a:ext>
+            </a:extLst>
+          </p:cNvPr>
+          <p:cNvSpPr/>
+          <p:nvPr/>
+        </p:nvSpPr>
+        <p:spPr>
+          <a:xfrm>
+            <a:off x="5640184" y="3801437"/>
+            <a:ext cx="861284" cy="584775"/>
+          </a:xfrm>
+          <a:prstGeom prst="rect">
+            <a:avLst/>
+          </a:prstGeom>
+          <a:solidFill>
+            <a:schemeClr val="accent4">
+              <a:lumMod val="40000"/>
+              <a:lumOff val="60000"/>
+            </a:schemeClr>
+          </a:solidFill>
+        </p:spPr>
+        <p:style>
+          <a:lnRef idx="2">
+            <a:schemeClr val="accent1">
+              <a:shade val="50000"/>
+            </a:schemeClr>
+          </a:lnRef>
+          <a:fillRef idx="1">
+            <a:schemeClr val="accent1"/>
+          </a:fillRef>
+          <a:effectRef idx="0">
+            <a:schemeClr val="accent1"/>
+          </a:effectRef>
+          <a:fontRef idx="minor">
+            <a:schemeClr val="lt1"/>
+          </a:fontRef>
+        </p:style>
+        <p:txBody>
+          <a:bodyPr rtlCol="0" anchor="ctr"/>
+          <a:lstStyle/>
+          <a:p>
+            <a:pPr algn="ctr"/>
+            <a:r>
+              <a:rPr lang="en-SG" dirty="0">
+                <a:solidFill>
+                  <a:sysClr val="windowText" lastClr="000000"/>
+                </a:solidFill>
+              </a:rPr>
+              <a:t>t=120</a:t>
+            </a:r>
+          </a:p>
+        </p:txBody>
+      </p:sp>
+      <p:sp>
+        <p:nvSpPr>
+          <p:cNvPr id="32" name="Rectangle 31">
+            <a:extLst>
+              <a:ext uri="{FF2B5EF4-FFF2-40B4-BE49-F238E27FC236}">
+                <a16:creationId xmlns:a16="http://schemas.microsoft.com/office/drawing/2014/main" id="{998638E9-D66B-4046-97D7-6085837244E2}"/>
+              </a:ext>
+            </a:extLst>
+          </p:cNvPr>
+          <p:cNvSpPr/>
+          <p:nvPr/>
+        </p:nvSpPr>
+        <p:spPr>
+          <a:xfrm>
+            <a:off x="6614893" y="3906358"/>
+            <a:ext cx="1250472" cy="400110"/>
+          </a:xfrm>
+          <a:prstGeom prst="rect">
+            <a:avLst/>
+          </a:prstGeom>
+          <a:noFill/>
+        </p:spPr>
+        <p:txBody>
+          <a:bodyPr wrap="none" lIns="91440" tIns="45720" rIns="91440" bIns="45720">
+            <a:spAutoFit/>
+          </a:bodyPr>
+          <a:lstStyle/>
+          <a:p>
+            <a:pPr algn="ctr"/>
+            <a:r>
+              <a:rPr lang="en-US" sz="2000" b="0" cap="none" spc="0" dirty="0">
+                <a:ln w="0"/>
+                <a:solidFill>
+                  <a:schemeClr val="tx1"/>
+                </a:solidFill>
+                <a:effectLst>
+                  <a:outerShdw blurRad="38100" dist="19050" dir="2700000" algn="tl" rotWithShape="0">
+                    <a:schemeClr val="dk1">
+                      <a:alpha val="40000"/>
+                    </a:schemeClr>
+                  </a:outerShdw>
+                </a:effectLst>
+              </a:rPr>
+              <a:t>Prediction</a:t>
+            </a:r>
+          </a:p>
+        </p:txBody>
+      </p:sp>
+      <p:sp>
+        <p:nvSpPr>
+          <p:cNvPr id="33" name="Rectangle 32">
+            <a:extLst>
+              <a:ext uri="{FF2B5EF4-FFF2-40B4-BE49-F238E27FC236}">
+                <a16:creationId xmlns:a16="http://schemas.microsoft.com/office/drawing/2014/main" id="{1D70E42F-3481-424F-A925-C865F9C6F7A9}"/>
+              </a:ext>
+            </a:extLst>
+          </p:cNvPr>
+          <p:cNvSpPr/>
+          <p:nvPr/>
+        </p:nvSpPr>
+        <p:spPr>
+          <a:xfrm>
+            <a:off x="5648573" y="4591837"/>
+            <a:ext cx="861284" cy="584775"/>
+          </a:xfrm>
+          <a:prstGeom prst="rect">
+            <a:avLst/>
+          </a:prstGeom>
+          <a:solidFill>
+            <a:schemeClr val="accent6">
+              <a:lumMod val="40000"/>
+              <a:lumOff val="60000"/>
+            </a:schemeClr>
+          </a:solidFill>
+        </p:spPr>
+        <p:style>
+          <a:lnRef idx="2">
+            <a:schemeClr val="accent1">
+              <a:shade val="50000"/>
+            </a:schemeClr>
+          </a:lnRef>
+          <a:fillRef idx="1">
+            <a:schemeClr val="accent1"/>
+          </a:fillRef>
+          <a:effectRef idx="0">
+            <a:schemeClr val="accent1"/>
+          </a:effectRef>
+          <a:fontRef idx="minor">
+            <a:schemeClr val="lt1"/>
+          </a:fontRef>
+        </p:style>
+        <p:txBody>
+          <a:bodyPr rtlCol="0" anchor="ctr"/>
+          <a:lstStyle/>
+          <a:p>
+            <a:pPr algn="ctr"/>
+            <a:r>
+              <a:rPr lang="en-SG" dirty="0">
+                <a:solidFill>
+                  <a:sysClr val="windowText" lastClr="000000"/>
+                </a:solidFill>
+              </a:rPr>
+              <a:t>t=120</a:t>
+            </a:r>
+          </a:p>
+        </p:txBody>
+      </p:sp>
+      <p:sp>
+        <p:nvSpPr>
+          <p:cNvPr id="34" name="Rectangle 33">
+            <a:extLst>
+              <a:ext uri="{FF2B5EF4-FFF2-40B4-BE49-F238E27FC236}">
+                <a16:creationId xmlns:a16="http://schemas.microsoft.com/office/drawing/2014/main" id="{5633B356-7B04-40C5-96BA-59CE064FF68E}"/>
+              </a:ext>
+            </a:extLst>
+          </p:cNvPr>
+          <p:cNvSpPr/>
+          <p:nvPr/>
+        </p:nvSpPr>
+        <p:spPr>
+          <a:xfrm>
+            <a:off x="6686721" y="4646424"/>
+            <a:ext cx="737702" cy="400110"/>
+          </a:xfrm>
+          <a:prstGeom prst="rect">
+            <a:avLst/>
+          </a:prstGeom>
+          <a:noFill/>
+        </p:spPr>
+        <p:txBody>
+          <a:bodyPr wrap="none" lIns="91440" tIns="45720" rIns="91440" bIns="45720">
+            <a:spAutoFit/>
+          </a:bodyPr>
+          <a:lstStyle/>
+          <a:p>
+            <a:pPr algn="ctr"/>
+            <a:r>
+              <a:rPr lang="en-US" sz="2000" b="0" cap="none" spc="0" dirty="0">
+                <a:ln w="0"/>
+                <a:solidFill>
+                  <a:schemeClr val="tx1"/>
+                </a:solidFill>
+                <a:effectLst>
+                  <a:outerShdw blurRad="38100" dist="19050" dir="2700000" algn="tl" rotWithShape="0">
+                    <a:schemeClr val="dk1">
+                      <a:alpha val="40000"/>
+                    </a:schemeClr>
+                  </a:outerShdw>
+                </a:effectLst>
+              </a:rPr>
+              <a:t>Label</a:t>
+            </a:r>
+          </a:p>
+        </p:txBody>
+      </p:sp>
+      <p:sp>
+        <p:nvSpPr>
+          <p:cNvPr id="43" name="Rectangle 42">
+            <a:extLst>
+              <a:ext uri="{FF2B5EF4-FFF2-40B4-BE49-F238E27FC236}">
+                <a16:creationId xmlns:a16="http://schemas.microsoft.com/office/drawing/2014/main" id="{CD981EAC-886D-4F7E-A71B-C16AE1EF43C9}"/>
+              </a:ext>
+            </a:extLst>
+          </p:cNvPr>
+          <p:cNvSpPr/>
+          <p:nvPr/>
+        </p:nvSpPr>
+        <p:spPr>
+          <a:xfrm>
+            <a:off x="2471351" y="2851389"/>
+            <a:ext cx="3159835" cy="584775"/>
+          </a:xfrm>
+          <a:prstGeom prst="rect">
+            <a:avLst/>
+          </a:prstGeom>
+          <a:solidFill>
+            <a:schemeClr val="bg1">
+              <a:lumMod val="95000"/>
+            </a:schemeClr>
+          </a:solidFill>
+        </p:spPr>
+        <p:style>
+          <a:lnRef idx="2">
+            <a:schemeClr val="accent1">
+              <a:shade val="50000"/>
+            </a:schemeClr>
+          </a:lnRef>
+          <a:fillRef idx="1">
+            <a:schemeClr val="accent1"/>
+          </a:fillRef>
+          <a:effectRef idx="0">
+            <a:schemeClr val="accent1"/>
+          </a:effectRef>
+          <a:fontRef idx="minor">
+            <a:schemeClr val="lt1"/>
+          </a:fontRef>
+        </p:style>
+        <p:txBody>
+          <a:bodyPr rtlCol="0" anchor="ctr"/>
+          <a:lstStyle/>
+          <a:p>
+            <a:pPr algn="ctr"/>
+            <a:r>
+              <a:rPr lang="en-SG" dirty="0">
+                <a:solidFill>
+                  <a:sysClr val="windowText" lastClr="000000"/>
+                </a:solidFill>
+              </a:rPr>
+              <a:t>Warmup</a:t>
+            </a:r>
+          </a:p>
+        </p:txBody>
+      </p:sp>
+      <p:sp>
+        <p:nvSpPr>
+          <p:cNvPr id="48" name="Rectangle 47">
+            <a:extLst>
+              <a:ext uri="{FF2B5EF4-FFF2-40B4-BE49-F238E27FC236}">
+                <a16:creationId xmlns:a16="http://schemas.microsoft.com/office/drawing/2014/main" id="{313435E4-7CF1-43DC-837C-78950040153C}"/>
+              </a:ext>
+            </a:extLst>
+          </p:cNvPr>
+          <p:cNvSpPr/>
+          <p:nvPr/>
+        </p:nvSpPr>
+        <p:spPr>
+          <a:xfrm>
+            <a:off x="5631186" y="2851389"/>
+            <a:ext cx="861284" cy="584775"/>
+          </a:xfrm>
+          <a:prstGeom prst="rect">
+            <a:avLst/>
+          </a:prstGeom>
+          <a:solidFill>
+            <a:schemeClr val="bg1">
+              <a:lumMod val="85000"/>
+            </a:schemeClr>
+          </a:solidFill>
+        </p:spPr>
+        <p:style>
+          <a:lnRef idx="2">
+            <a:schemeClr val="accent1">
+              <a:shade val="50000"/>
+            </a:schemeClr>
+          </a:lnRef>
+          <a:fillRef idx="1">
+            <a:schemeClr val="accent1"/>
+          </a:fillRef>
+          <a:effectRef idx="0">
+            <a:schemeClr val="accent1"/>
+          </a:effectRef>
+          <a:fontRef idx="minor">
+            <a:schemeClr val="lt1"/>
+          </a:fontRef>
+        </p:style>
+        <p:txBody>
+          <a:bodyPr rtlCol="0" anchor="ctr"/>
+          <a:lstStyle/>
+          <a:p>
+            <a:pPr algn="ctr"/>
+            <a:endParaRPr lang="en-SG" dirty="0">
+              <a:solidFill>
+                <a:sysClr val="windowText" lastClr="000000"/>
+              </a:solidFill>
+            </a:endParaRPr>
+          </a:p>
+        </p:txBody>
+      </p:sp>
+      <p:cxnSp>
+        <p:nvCxnSpPr>
+          <p:cNvPr id="60" name="Straight Arrow Connector 59">
+            <a:extLst>
+              <a:ext uri="{FF2B5EF4-FFF2-40B4-BE49-F238E27FC236}">
+                <a16:creationId xmlns:a16="http://schemas.microsoft.com/office/drawing/2014/main" id="{9554AE26-A2CD-4229-9C82-2412A80C88F8}"/>
+              </a:ext>
+            </a:extLst>
+          </p:cNvPr>
+          <p:cNvCxnSpPr>
+            <a:cxnSpLocks/>
+          </p:cNvCxnSpPr>
+          <p:nvPr/>
+        </p:nvCxnSpPr>
+        <p:spPr>
+          <a:xfrm>
+            <a:off x="6054048" y="3429228"/>
+            <a:ext cx="0" cy="357489"/>
+          </a:xfrm>
+          <a:prstGeom prst="straightConnector1">
+            <a:avLst/>
+          </a:prstGeom>
+          <a:ln>
+            <a:tailEnd type="triangle"/>
+          </a:ln>
+        </p:spPr>
+        <p:style>
+          <a:lnRef idx="1">
+            <a:schemeClr val="accent1"/>
+          </a:lnRef>
+          <a:fillRef idx="0">
+            <a:schemeClr val="accent1"/>
+          </a:fillRef>
+          <a:effectRef idx="0">
+            <a:schemeClr val="accent1"/>
+          </a:effectRef>
+          <a:fontRef idx="minor">
+            <a:schemeClr val="tx1"/>
+          </a:fontRef>
+        </p:style>
+      </p:cxnSp>
+      <p:cxnSp>
+        <p:nvCxnSpPr>
+          <p:cNvPr id="3" name="Connector: Curved 2">
+            <a:extLst>
+              <a:ext uri="{FF2B5EF4-FFF2-40B4-BE49-F238E27FC236}">
+                <a16:creationId xmlns:a16="http://schemas.microsoft.com/office/drawing/2014/main" id="{88800DEE-1A42-4DD7-B721-5C3A03D48DCD}"/>
+              </a:ext>
+            </a:extLst>
+          </p:cNvPr>
+          <p:cNvCxnSpPr>
+            <a:stCxn id="5" idx="2"/>
+            <a:endCxn id="48" idx="0"/>
+          </p:cNvCxnSpPr>
+          <p:nvPr/>
+        </p:nvCxnSpPr>
+        <p:spPr>
+          <a:xfrm rot="16200000" flipH="1">
+            <a:off x="4236567" y="1026128"/>
+            <a:ext cx="368248" cy="3282273"/>
+          </a:xfrm>
+          <a:prstGeom prst="curvedConnector3">
+            <a:avLst/>
+          </a:prstGeom>
+          <a:ln>
+            <a:tailEnd type="triangle"/>
+          </a:ln>
+        </p:spPr>
+        <p:style>
+          <a:lnRef idx="1">
+            <a:schemeClr val="accent1"/>
+          </a:lnRef>
+          <a:fillRef idx="0">
+            <a:schemeClr val="accent1"/>
+          </a:fillRef>
+          <a:effectRef idx="0">
+            <a:schemeClr val="accent1"/>
+          </a:effectRef>
+          <a:fontRef idx="minor">
+            <a:schemeClr val="tx1"/>
+          </a:fontRef>
+        </p:style>
+      </p:cxnSp>
+      <p:cxnSp>
+        <p:nvCxnSpPr>
+          <p:cNvPr id="54" name="Connector: Curved 53">
+            <a:extLst>
+              <a:ext uri="{FF2B5EF4-FFF2-40B4-BE49-F238E27FC236}">
+                <a16:creationId xmlns:a16="http://schemas.microsoft.com/office/drawing/2014/main" id="{B8746937-4D58-43FE-94A2-1E76450B4F19}"/>
+              </a:ext>
+            </a:extLst>
+          </p:cNvPr>
+          <p:cNvCxnSpPr>
+            <a:cxnSpLocks/>
+            <a:stCxn id="6" idx="2"/>
+            <a:endCxn id="48" idx="0"/>
+          </p:cNvCxnSpPr>
+          <p:nvPr/>
+        </p:nvCxnSpPr>
+        <p:spPr>
+          <a:xfrm rot="16200000" flipH="1">
+            <a:off x="4552551" y="1342112"/>
+            <a:ext cx="368248" cy="2650306"/>
+          </a:xfrm>
+          <a:prstGeom prst="curvedConnector3">
+            <a:avLst>
+              <a:gd name="adj1" fmla="val 50000"/>
+            </a:avLst>
+          </a:prstGeom>
+          <a:ln>
+            <a:tailEnd type="triangle"/>
+          </a:ln>
+        </p:spPr>
+        <p:style>
+          <a:lnRef idx="1">
+            <a:schemeClr val="accent1"/>
+          </a:lnRef>
+          <a:fillRef idx="0">
+            <a:schemeClr val="accent1"/>
+          </a:fillRef>
+          <a:effectRef idx="0">
+            <a:schemeClr val="accent1"/>
+          </a:effectRef>
+          <a:fontRef idx="minor">
+            <a:schemeClr val="tx1"/>
+          </a:fontRef>
+        </p:style>
+      </p:cxnSp>
+      <p:cxnSp>
+        <p:nvCxnSpPr>
+          <p:cNvPr id="67" name="Connector: Curved 66">
+            <a:extLst>
+              <a:ext uri="{FF2B5EF4-FFF2-40B4-BE49-F238E27FC236}">
+                <a16:creationId xmlns:a16="http://schemas.microsoft.com/office/drawing/2014/main" id="{45068BFD-8D58-401F-96A4-EB09344C4723}"/>
+              </a:ext>
+            </a:extLst>
+          </p:cNvPr>
+          <p:cNvCxnSpPr>
+            <a:cxnSpLocks/>
+            <a:stCxn id="7" idx="2"/>
+            <a:endCxn id="48" idx="0"/>
+          </p:cNvCxnSpPr>
+          <p:nvPr/>
+        </p:nvCxnSpPr>
+        <p:spPr>
+          <a:xfrm rot="16200000" flipH="1">
+            <a:off x="4868534" y="1658095"/>
+            <a:ext cx="368248" cy="2018339"/>
+          </a:xfrm>
+          <a:prstGeom prst="curvedConnector3">
+            <a:avLst>
+              <a:gd name="adj1" fmla="val 50000"/>
+            </a:avLst>
+          </a:prstGeom>
+          <a:ln>
+            <a:tailEnd type="triangle"/>
+          </a:ln>
+        </p:spPr>
+        <p:style>
+          <a:lnRef idx="1">
+            <a:schemeClr val="accent1"/>
+          </a:lnRef>
+          <a:fillRef idx="0">
+            <a:schemeClr val="accent1"/>
+          </a:fillRef>
+          <a:effectRef idx="0">
+            <a:schemeClr val="accent1"/>
+          </a:effectRef>
+          <a:fontRef idx="minor">
+            <a:schemeClr val="tx1"/>
+          </a:fontRef>
+        </p:style>
+      </p:cxnSp>
+      <p:cxnSp>
+        <p:nvCxnSpPr>
+          <p:cNvPr id="68" name="Connector: Curved 67">
+            <a:extLst>
+              <a:ext uri="{FF2B5EF4-FFF2-40B4-BE49-F238E27FC236}">
+                <a16:creationId xmlns:a16="http://schemas.microsoft.com/office/drawing/2014/main" id="{A56B149B-BCDE-4AE8-98EA-41F51A3D5BDE}"/>
+              </a:ext>
+            </a:extLst>
+          </p:cNvPr>
+          <p:cNvCxnSpPr>
+            <a:cxnSpLocks/>
+            <a:stCxn id="8" idx="2"/>
+            <a:endCxn id="48" idx="0"/>
+          </p:cNvCxnSpPr>
+          <p:nvPr/>
+        </p:nvCxnSpPr>
+        <p:spPr>
+          <a:xfrm rot="16200000" flipH="1">
+            <a:off x="5184518" y="1974079"/>
+            <a:ext cx="368248" cy="1386372"/>
+          </a:xfrm>
+          <a:prstGeom prst="curvedConnector3">
+            <a:avLst>
+              <a:gd name="adj1" fmla="val 50000"/>
+            </a:avLst>
+          </a:prstGeom>
+          <a:ln>
+            <a:tailEnd type="triangle"/>
+          </a:ln>
+        </p:spPr>
+        <p:style>
+          <a:lnRef idx="1">
+            <a:schemeClr val="accent1"/>
+          </a:lnRef>
+          <a:fillRef idx="0">
+            <a:schemeClr val="accent1"/>
+          </a:fillRef>
+          <a:effectRef idx="0">
+            <a:schemeClr val="accent1"/>
+          </a:effectRef>
+          <a:fontRef idx="minor">
+            <a:schemeClr val="tx1"/>
+          </a:fontRef>
+        </p:style>
+      </p:cxnSp>
+      <p:cxnSp>
+        <p:nvCxnSpPr>
+          <p:cNvPr id="69" name="Connector: Curved 68">
+            <a:extLst>
+              <a:ext uri="{FF2B5EF4-FFF2-40B4-BE49-F238E27FC236}">
+                <a16:creationId xmlns:a16="http://schemas.microsoft.com/office/drawing/2014/main" id="{E2746F7F-3EA7-49C8-9BE7-9FF76FA35BB2}"/>
+              </a:ext>
+            </a:extLst>
+          </p:cNvPr>
+          <p:cNvCxnSpPr>
+            <a:cxnSpLocks/>
+            <a:stCxn id="9" idx="2"/>
+            <a:endCxn id="48" idx="0"/>
+          </p:cNvCxnSpPr>
+          <p:nvPr/>
+        </p:nvCxnSpPr>
+        <p:spPr>
+          <a:xfrm rot="16200000" flipH="1">
+            <a:off x="5500501" y="2290062"/>
+            <a:ext cx="368248" cy="754405"/>
+          </a:xfrm>
+          <a:prstGeom prst="curvedConnector3">
+            <a:avLst>
+              <a:gd name="adj1" fmla="val 50000"/>
+            </a:avLst>
+          </a:prstGeom>
+          <a:ln>
+            <a:tailEnd type="triangle"/>
+          </a:ln>
+        </p:spPr>
+        <p:style>
+          <a:lnRef idx="1">
+            <a:schemeClr val="accent1"/>
+          </a:lnRef>
+          <a:fillRef idx="0">
+            <a:schemeClr val="accent1"/>
+          </a:fillRef>
+          <a:effectRef idx="0">
+            <a:schemeClr val="accent1"/>
+          </a:effectRef>
+          <a:fontRef idx="minor">
+            <a:schemeClr val="tx1"/>
+          </a:fontRef>
+        </p:style>
+      </p:cxnSp>
+    </p:spTree>
+    <p:extLst>
+      <p:ext uri="{BB962C8B-B14F-4D97-AF65-F5344CB8AC3E}">
+        <p14:creationId xmlns:p14="http://schemas.microsoft.com/office/powerpoint/2010/main" val="4490672"/>
+      </p:ext>
+    </p:extLst>
+  </p:cSld>
+  <p:clrMapOvr>
+    <a:masterClrMapping/>
+  </p:clrMapOvr>
+</p:sld>
+</file>
+
+<file path=ppt/slides/slide3.xml><?xml version="1.0" encoding="utf-8"?>
+<p:sld xmlns:a="http://schemas.openxmlformats.org/drawingml/2006/main" xmlns:r="http://schemas.openxmlformats.org/officeDocument/2006/relationships" xmlns:p="http://schemas.openxmlformats.org/presentationml/2006/main">
+  <p:cSld>
+    <p:spTree>
+      <p:nvGrpSpPr>
+        <p:cNvPr id="1" name=""/>
+        <p:cNvGrpSpPr/>
+        <p:nvPr/>
+      </p:nvGrpSpPr>
+      <p:grpSpPr>
+        <a:xfrm>
+          <a:off x="0" y="0"/>
+          <a:ext cx="0" cy="0"/>
+          <a:chOff x="0" y="0"/>
+          <a:chExt cx="0" cy="0"/>
+        </a:xfrm>
+      </p:grpSpPr>
+      <p:sp>
+        <p:nvSpPr>
+          <p:cNvPr id="4" name="Rectangle 3">
+            <a:extLst>
+              <a:ext uri="{FF2B5EF4-FFF2-40B4-BE49-F238E27FC236}">
                 <a16:creationId xmlns:a16="http://schemas.microsoft.com/office/drawing/2014/main" id="{70329961-E0E4-46BE-9279-B38E1C87531B}"/>
               </a:ext>
             </a:extLst>
